--- a/03 - App Service/03 - App Service.pptx
+++ b/03 - App Service/03 - App Service.pptx
@@ -36,19 +36,19 @@
     <p:sldId id="363" r:id="rId27"/>
     <p:sldId id="389" r:id="rId28"/>
     <p:sldId id="390" r:id="rId29"/>
-    <p:sldId id="366" r:id="rId30"/>
-    <p:sldId id="367" r:id="rId31"/>
-    <p:sldId id="368" r:id="rId32"/>
-    <p:sldId id="391" r:id="rId33"/>
-    <p:sldId id="369" r:id="rId34"/>
-    <p:sldId id="371" r:id="rId35"/>
-    <p:sldId id="370" r:id="rId36"/>
-    <p:sldId id="380" r:id="rId37"/>
-    <p:sldId id="392" r:id="rId38"/>
-    <p:sldId id="372" r:id="rId39"/>
-    <p:sldId id="394" r:id="rId40"/>
-    <p:sldId id="373" r:id="rId41"/>
-    <p:sldId id="378" r:id="rId42"/>
+    <p:sldId id="380" r:id="rId30"/>
+    <p:sldId id="392" r:id="rId31"/>
+    <p:sldId id="372" r:id="rId32"/>
+    <p:sldId id="394" r:id="rId33"/>
+    <p:sldId id="373" r:id="rId34"/>
+    <p:sldId id="378" r:id="rId35"/>
+    <p:sldId id="366" r:id="rId36"/>
+    <p:sldId id="367" r:id="rId37"/>
+    <p:sldId id="368" r:id="rId38"/>
+    <p:sldId id="391" r:id="rId39"/>
+    <p:sldId id="369" r:id="rId40"/>
+    <p:sldId id="371" r:id="rId41"/>
+    <p:sldId id="370" r:id="rId42"/>
     <p:sldId id="395" r:id="rId43"/>
     <p:sldId id="376" r:id="rId44"/>
     <p:sldId id="374" r:id="rId45"/>
@@ -251,7 +251,7 @@
             <a:pPr rtl="0"/>
             <a:fld id="{268207A6-7ADA-45B8-951F-34576C3577BD}" type="datetime1">
               <a:rPr lang="sk-SK" smtClean="0"/>
-              <a:t>14. 7. 2021</a:t>
+              <a:t>24. 7. 2021</a:t>
             </a:fld>
             <a:endParaRPr lang="sk-SK" dirty="0"/>
           </a:p>
@@ -421,7 +421,7 @@
             <a:pPr rtl="0"/>
             <a:fld id="{591A0293-3DCA-4153-B68A-A2DB651509C0}" type="datetime1">
               <a:rPr lang="sk-SK" noProof="0" smtClean="0"/>
-              <a:t>14. 7. 2021</a:t>
+              <a:t>24. 7. 2021</a:t>
             </a:fld>
             <a:endParaRPr lang="sk-SK" noProof="0" dirty="0"/>
           </a:p>
@@ -1283,7 +1283,7 @@
             <a:pPr rtl="0"/>
             <a:fld id="{900FA921-B42C-4118-B7D5-0895D3550D77}" type="datetime1">
               <a:rPr lang="sk-SK" noProof="0" smtClean="0"/>
-              <a:t>14. 7. 2021</a:t>
+              <a:t>24. 7. 2021</a:t>
             </a:fld>
             <a:endParaRPr lang="sk-SK" noProof="0" dirty="0"/>
           </a:p>
@@ -1580,7 +1580,7 @@
             <a:pPr rtl="0"/>
             <a:fld id="{4BEE775C-7769-4983-973F-31EBB41A2D12}" type="datetime1">
               <a:rPr lang="sk-SK" noProof="0" smtClean="0"/>
-              <a:t>14. 7. 2021</a:t>
+              <a:t>24. 7. 2021</a:t>
             </a:fld>
             <a:endParaRPr lang="sk-SK" noProof="0" dirty="0"/>
           </a:p>
@@ -1828,7 +1828,7 @@
             <a:pPr rtl="0"/>
             <a:fld id="{C932E5DF-018E-49DA-B38A-5E65209E32B5}" type="datetime1">
               <a:rPr lang="sk-SK" noProof="0" smtClean="0"/>
-              <a:t>14. 7. 2021</a:t>
+              <a:t>24. 7. 2021</a:t>
             </a:fld>
             <a:endParaRPr lang="sk-SK" noProof="0" dirty="0"/>
           </a:p>
@@ -2368,7 +2368,7 @@
             <a:pPr rtl="0"/>
             <a:fld id="{5109D02C-C2F0-42B1-AF2A-7F22B5DC25B0}" type="datetime1">
               <a:rPr lang="sk-SK" noProof="0" smtClean="0"/>
-              <a:t>14. 7. 2021</a:t>
+              <a:t>24. 7. 2021</a:t>
             </a:fld>
             <a:endParaRPr lang="sk-SK" noProof="0" dirty="0"/>
           </a:p>
@@ -2616,7 +2616,7 @@
             <a:pPr rtl="0"/>
             <a:fld id="{27313ED6-7DF5-4EA8-A15A-56106F4AB1A8}" type="datetime1">
               <a:rPr lang="sk-SK" noProof="0" smtClean="0"/>
-              <a:t>14. 7. 2021</a:t>
+              <a:t>24. 7. 2021</a:t>
             </a:fld>
             <a:endParaRPr lang="sk-SK" noProof="0" dirty="0"/>
           </a:p>
@@ -3148,7 +3148,7 @@
             <a:pPr rtl="0"/>
             <a:fld id="{460B05BE-B82C-4836-BEE3-86B662C73967}" type="datetime1">
               <a:rPr lang="sk-SK" noProof="0" smtClean="0"/>
-              <a:t>14. 7. 2021</a:t>
+              <a:t>24. 7. 2021</a:t>
             </a:fld>
             <a:endParaRPr lang="sk-SK" noProof="0" dirty="0"/>
           </a:p>
@@ -3444,7 +3444,7 @@
             <a:pPr rtl="0"/>
             <a:fld id="{B6D80D0C-15C1-4232-BBBA-C081C283B074}" type="datetime1">
               <a:rPr lang="sk-SK" noProof="0" smtClean="0"/>
-              <a:t>14. 7. 2021</a:t>
+              <a:t>24. 7. 2021</a:t>
             </a:fld>
             <a:endParaRPr lang="sk-SK" noProof="0" dirty="0"/>
           </a:p>
@@ -3618,7 +3618,7 @@
             <a:pPr rtl="0"/>
             <a:fld id="{9C092629-6D55-437C-89A0-31B0B55C4A73}" type="datetime1">
               <a:rPr lang="sk-SK" noProof="0" smtClean="0"/>
-              <a:t>14. 7. 2021</a:t>
+              <a:t>24. 7. 2021</a:t>
             </a:fld>
             <a:endParaRPr lang="sk-SK" noProof="0" dirty="0"/>
           </a:p>
@@ -3798,7 +3798,7 @@
             <a:pPr rtl="0"/>
             <a:fld id="{45F7A265-AC1F-4DE6-B2E7-EDDEC1CB13AE}" type="datetime1">
               <a:rPr lang="sk-SK" noProof="0" smtClean="0"/>
-              <a:t>14. 7. 2021</a:t>
+              <a:t>24. 7. 2021</a:t>
             </a:fld>
             <a:endParaRPr lang="sk-SK" noProof="0" dirty="0"/>
           </a:p>
@@ -3968,7 +3968,7 @@
             <a:pPr rtl="0"/>
             <a:fld id="{556A154B-A35F-4191-B844-7C2621556C5A}" type="datetime1">
               <a:rPr lang="sk-SK" noProof="0" smtClean="0"/>
-              <a:t>14. 7. 2021</a:t>
+              <a:t>24. 7. 2021</a:t>
             </a:fld>
             <a:endParaRPr lang="sk-SK" noProof="0" dirty="0"/>
           </a:p>
@@ -4219,7 +4219,7 @@
             <a:pPr rtl="0"/>
             <a:fld id="{ECC8ABC4-B50E-4AED-80D0-A4EA425A67F1}" type="datetime1">
               <a:rPr lang="sk-SK" noProof="0" smtClean="0"/>
-              <a:t>14. 7. 2021</a:t>
+              <a:t>24. 7. 2021</a:t>
             </a:fld>
             <a:endParaRPr lang="sk-SK" noProof="0" dirty="0"/>
           </a:p>
@@ -4516,7 +4516,7 @@
             <a:pPr rtl="0"/>
             <a:fld id="{79846675-4AE1-4AA6-90BD-F0C34E95FD01}" type="datetime1">
               <a:rPr lang="sk-SK" noProof="0" smtClean="0"/>
-              <a:t>14. 7. 2021</a:t>
+              <a:t>24. 7. 2021</a:t>
             </a:fld>
             <a:endParaRPr lang="sk-SK" noProof="0" dirty="0"/>
           </a:p>
@@ -4958,7 +4958,7 @@
             <a:pPr rtl="0"/>
             <a:fld id="{7378032B-3EDA-4C05-BE29-4965CEDCD681}" type="datetime1">
               <a:rPr lang="sk-SK" noProof="0" smtClean="0"/>
-              <a:t>14. 7. 2021</a:t>
+              <a:t>24. 7. 2021</a:t>
             </a:fld>
             <a:endParaRPr lang="sk-SK" noProof="0" dirty="0"/>
           </a:p>
@@ -5076,7 +5076,7 @@
             <a:pPr rtl="0"/>
             <a:fld id="{8E1C420E-D5B6-4085-8589-6BD6C0D15322}" type="datetime1">
               <a:rPr lang="sk-SK" noProof="0" smtClean="0"/>
-              <a:t>14. 7. 2021</a:t>
+              <a:t>24. 7. 2021</a:t>
             </a:fld>
             <a:endParaRPr lang="sk-SK" noProof="0" dirty="0"/>
           </a:p>
@@ -5170,7 +5170,7 @@
             <a:pPr rtl="0"/>
             <a:fld id="{EE61EFEC-06A5-463A-84CB-3AC23AB02C2D}" type="datetime1">
               <a:rPr lang="sk-SK" noProof="0" smtClean="0"/>
-              <a:t>14. 7. 2021</a:t>
+              <a:t>24. 7. 2021</a:t>
             </a:fld>
             <a:endParaRPr lang="sk-SK" noProof="0" dirty="0"/>
           </a:p>
@@ -5453,7 +5453,7 @@
             <a:pPr rtl="0"/>
             <a:fld id="{2EB672FB-3028-4C4A-9E46-B78FDE73405B}" type="datetime1">
               <a:rPr lang="sk-SK" noProof="0" smtClean="0"/>
-              <a:t>14. 7. 2021</a:t>
+              <a:t>24. 7. 2021</a:t>
             </a:fld>
             <a:endParaRPr lang="sk-SK" noProof="0" dirty="0"/>
           </a:p>
@@ -5745,7 +5745,7 @@
             <a:pPr rtl="0"/>
             <a:fld id="{60367B1A-8B56-4DB3-9D45-FDEF93DAB338}" type="datetime1">
               <a:rPr lang="sk-SK" noProof="0" smtClean="0"/>
-              <a:t>14. 7. 2021</a:t>
+              <a:t>24. 7. 2021</a:t>
             </a:fld>
             <a:endParaRPr lang="sk-SK" noProof="0" dirty="0"/>
           </a:p>
@@ -6273,7 +6273,7 @@
             <a:pPr rtl="0"/>
             <a:fld id="{34C29ED1-23D1-4646-81FC-DC0A2419921B}" type="datetime1">
               <a:rPr lang="sk-SK" noProof="0" smtClean="0"/>
-              <a:t>14. 7. 2021</a:t>
+              <a:t>24. 7. 2021</a:t>
             </a:fld>
             <a:endParaRPr lang="sk-SK" noProof="0" dirty="0"/>
           </a:p>
@@ -7367,6 +7367,11 @@
               <a:rPr lang="sk-SK" dirty="0"/>
               <a:t>77</a:t>
             </a:r>
+            <a:r>
+              <a:rPr lang="en-US" dirty="0"/>
+              <a:t>-78</a:t>
+            </a:r>
+            <a:endParaRPr lang="sk-SK" dirty="0"/>
           </a:p>
         </p:txBody>
       </p:sp>
@@ -8750,34 +8755,46 @@
           <a:p>
             <a:pPr lvl="1"/>
             <a:r>
-              <a:rPr lang="sk-SK" dirty="0" err="1"/>
+              <a:rPr lang="sk-SK" b="1" dirty="0" err="1"/>
               <a:t>name</a:t>
             </a:r>
             <a:r>
-              <a:rPr lang="sk-SK" dirty="0"/>
-              <a:t>: názov aplikácie</a:t>
+              <a:rPr lang="sk-SK" b="1" dirty="0"/>
+              <a:t>: </a:t>
+            </a:r>
+            <a:r>
+              <a:rPr lang="sk-SK" dirty="0"/>
+              <a:t>názov aplikácie</a:t>
             </a:r>
           </a:p>
           <a:p>
             <a:pPr lvl="1"/>
             <a:r>
-              <a:rPr lang="sk-SK" dirty="0" err="1"/>
+              <a:rPr lang="sk-SK" b="1" dirty="0" err="1"/>
               <a:t>dryrun</a:t>
             </a:r>
             <a:r>
-              <a:rPr lang="sk-SK" dirty="0"/>
-              <a:t>: zobrazí detaily vytváranej aplikácie bez toho, aby sa vytvorila</a:t>
+              <a:rPr lang="sk-SK" b="1" dirty="0"/>
+              <a:t>: </a:t>
+            </a:r>
+            <a:r>
+              <a:rPr lang="sk-SK" dirty="0"/>
+              <a:t>zobrazí detaily vytváranej aplikácie bez toho, aby sa vytvorila</a:t>
             </a:r>
           </a:p>
           <a:p>
             <a:pPr lvl="1"/>
             <a:r>
-              <a:rPr lang="sk-SK" dirty="0" err="1"/>
+              <a:rPr lang="sk-SK" b="1" dirty="0" err="1"/>
               <a:t>runtime</a:t>
             </a:r>
             <a:r>
-              <a:rPr lang="sk-SK" dirty="0"/>
-              <a:t>: požadovaný </a:t>
+              <a:rPr lang="sk-SK" b="1" dirty="0"/>
+              <a:t>: </a:t>
+            </a:r>
+            <a:r>
+              <a:rPr lang="sk-SK" dirty="0"/>
+              <a:t>požadovaný </a:t>
             </a:r>
             <a:r>
               <a:rPr lang="sk-SK" dirty="0" err="1"/>
@@ -8791,42 +8808,54 @@
           <a:p>
             <a:pPr lvl="1"/>
             <a:r>
-              <a:rPr lang="sk-SK" dirty="0"/>
-              <a:t>html: pre statické HTML aplikácie</a:t>
+              <a:rPr lang="sk-SK" b="1" dirty="0"/>
+              <a:t>html: </a:t>
+            </a:r>
+            <a:r>
+              <a:rPr lang="sk-SK" dirty="0"/>
+              <a:t>pre statické HTML aplikácie</a:t>
             </a:r>
           </a:p>
           <a:p>
             <a:pPr lvl="1"/>
             <a:r>
-              <a:rPr lang="sk-SK" dirty="0"/>
+              <a:rPr lang="sk-SK" b="1" dirty="0"/>
               <a:t>os-type, </a:t>
             </a:r>
             <a:r>
-              <a:rPr lang="sk-SK" dirty="0" err="1"/>
+              <a:rPr lang="sk-SK" b="1" dirty="0" err="1"/>
               <a:t>plan</a:t>
             </a:r>
             <a:r>
-              <a:rPr lang="sk-SK" dirty="0"/>
+              <a:rPr lang="sk-SK" b="1" dirty="0"/>
               <a:t>, </a:t>
             </a:r>
             <a:r>
-              <a:rPr lang="sk-SK" dirty="0" err="1"/>
+              <a:rPr lang="sk-SK" b="1" dirty="0" err="1"/>
               <a:t>sku</a:t>
             </a:r>
             <a:r>
-              <a:rPr lang="sk-SK" dirty="0"/>
-              <a:t>: nastavenie plánu</a:t>
+              <a:rPr lang="sk-SK" b="1" dirty="0"/>
+              <a:t>: </a:t>
+            </a:r>
+            <a:r>
+              <a:rPr lang="sk-SK" dirty="0"/>
+              <a:t>nastavenie plánu</a:t>
             </a:r>
           </a:p>
           <a:p>
             <a:pPr lvl="1"/>
             <a:r>
-              <a:rPr lang="sk-SK" dirty="0" err="1"/>
+              <a:rPr lang="sk-SK" b="1" dirty="0" err="1"/>
               <a:t>launch-browser</a:t>
             </a:r>
             <a:r>
-              <a:rPr lang="sk-SK" dirty="0"/>
-              <a:t>: po vytvorení a nasadení otvorí predvolený prehliadač</a:t>
+              <a:rPr lang="sk-SK" b="1" dirty="0"/>
+              <a:t>: </a:t>
+            </a:r>
+            <a:r>
+              <a:rPr lang="sk-SK" dirty="0"/>
+              <a:t>po vytvorení a nasadení otvorí predvolený prehliadač</a:t>
             </a:r>
           </a:p>
         </p:txBody>
@@ -10255,11 +10284,15 @@
             </a:r>
             <a:r>
               <a:rPr lang="sk-SK" b="1" dirty="0"/>
-              <a:t> </a:t>
+              <a:t> t</a:t>
+            </a:r>
+            <a:r>
+              <a:rPr lang="en-US" b="1" dirty="0"/>
+              <a:t>h</a:t>
             </a:r>
             <a:r>
               <a:rPr lang="sk-SK" b="1" dirty="0" err="1"/>
-              <a:t>treshold</a:t>
+              <a:t>reshold</a:t>
             </a:r>
             <a:r>
               <a:rPr lang="sk-SK" dirty="0"/>
@@ -10350,7 +10383,7 @@
           <p:cNvPr id="2" name="Nadpis 1">
             <a:extLst>
               <a:ext uri="{FF2B5EF4-FFF2-40B4-BE49-F238E27FC236}">
-                <a16:creationId xmlns:a16="http://schemas.microsoft.com/office/drawing/2014/main" id="{9BADA539-BB64-4333-AB8F-82BF8CD3D835}"/>
+                <a16:creationId xmlns:a16="http://schemas.microsoft.com/office/drawing/2014/main" id="{85406392-2376-4834-A84A-0EE8EC9D8A18}"/>
               </a:ext>
             </a:extLst>
           </p:cNvPr>
@@ -10369,7 +10402,7 @@
             <a:pPr algn="l"/>
             <a:r>
               <a:rPr lang="sk-SK" dirty="0" err="1"/>
-              <a:t>Cold</a:t>
+              <a:t>Health</a:t>
             </a:r>
             <a:r>
               <a:rPr lang="sk-SK" dirty="0"/>
@@ -10377,7 +10410,7 @@
             </a:r>
             <a:r>
               <a:rPr lang="sk-SK" dirty="0" err="1"/>
-              <a:t>start</a:t>
+              <a:t>check</a:t>
             </a:r>
             <a:endParaRPr lang="sk-SK" dirty="0"/>
           </a:p>
@@ -10388,7 +10421,7 @@
           <p:cNvPr id="3" name="Zástupný objekt pre obsah 2">
             <a:extLst>
               <a:ext uri="{FF2B5EF4-FFF2-40B4-BE49-F238E27FC236}">
-                <a16:creationId xmlns:a16="http://schemas.microsoft.com/office/drawing/2014/main" id="{07D129DB-406D-447D-A784-E8C2FB15DFF3}"/>
+                <a16:creationId xmlns:a16="http://schemas.microsoft.com/office/drawing/2014/main" id="{FADFAE28-33A4-4497-ABB8-090318F90EFC}"/>
               </a:ext>
             </a:extLst>
           </p:cNvPr>
@@ -10401,12 +10434,31 @@
         </p:nvSpPr>
         <p:spPr/>
         <p:txBody>
-          <a:bodyPr/>
+          <a:bodyPr>
+            <a:normAutofit fontScale="92500" lnSpcReduction="10000"/>
+          </a:bodyPr>
           <a:lstStyle/>
           <a:p>
-            <a:r>
-              <a:rPr lang="sk-SK" dirty="0" err="1"/>
-              <a:t>Cold</a:t>
+            <a:pPr algn="just"/>
+            <a:r>
+              <a:rPr lang="sk-SK" dirty="0" err="1"/>
+              <a:t>Azure</a:t>
+            </a:r>
+            <a:r>
+              <a:rPr lang="sk-SK" dirty="0"/>
+              <a:t> umožňuje nastaviť pre </a:t>
+            </a:r>
+            <a:r>
+              <a:rPr lang="sk-SK" dirty="0" err="1"/>
+              <a:t>App</a:t>
+            </a:r>
+            <a:r>
+              <a:rPr lang="sk-SK" dirty="0"/>
+              <a:t> Service </a:t>
+            </a:r>
+            <a:r>
+              <a:rPr lang="sk-SK" dirty="0" err="1"/>
+              <a:t>health</a:t>
             </a:r>
             <a:r>
               <a:rPr lang="sk-SK" dirty="0"/>
@@ -10414,24 +10466,30 @@
             </a:r>
             <a:r>
               <a:rPr lang="sk-SK" dirty="0" err="1"/>
-              <a:t>start</a:t>
-            </a:r>
-            <a:r>
-              <a:rPr lang="sk-SK" dirty="0"/>
-              <a:t> = počiatočné oneskorenie po nasadení aplikácie</a:t>
-            </a:r>
-          </a:p>
-          <a:p>
-            <a:r>
-              <a:rPr lang="sk-SK" dirty="0"/>
-              <a:t>Toto oneskorenie je možné riešiť viacerými spôsobmi:</a:t>
-            </a:r>
-          </a:p>
-          <a:p>
-            <a:pPr lvl="1"/>
-            <a:r>
-              <a:rPr lang="sk-SK" dirty="0" err="1"/>
-              <a:t>Deployment</a:t>
+              <a:t>check</a:t>
+            </a:r>
+            <a:r>
+              <a:rPr lang="sk-SK" dirty="0"/>
+              <a:t> (= PING na konkrétnu podstránku)</a:t>
+            </a:r>
+          </a:p>
+          <a:p>
+            <a:pPr algn="just"/>
+            <a:r>
+              <a:rPr lang="sk-SK" dirty="0"/>
+              <a:t>V prípade „nezdravej“ inštancie ju </a:t>
+            </a:r>
+            <a:r>
+              <a:rPr lang="sk-SK" dirty="0" err="1"/>
+              <a:t>App</a:t>
+            </a:r>
+            <a:r>
+              <a:rPr lang="sk-SK" dirty="0"/>
+              <a:t> Service odstráni z </a:t>
+            </a:r>
+            <a:r>
+              <a:rPr lang="sk-SK" dirty="0" err="1"/>
+              <a:t>load</a:t>
             </a:r>
             <a:r>
               <a:rPr lang="sk-SK" dirty="0"/>
@@ -10439,7 +10497,48 @@
             </a:r>
             <a:r>
               <a:rPr lang="sk-SK" dirty="0" err="1"/>
-              <a:t>from</a:t>
+              <a:t>balancera</a:t>
+            </a:r>
+            <a:endParaRPr lang="sk-SK" dirty="0"/>
+          </a:p>
+          <a:p>
+            <a:pPr algn="just"/>
+            <a:r>
+              <a:rPr lang="sk-SK" dirty="0"/>
+              <a:t>Pri pretrvávajúcich problémov </a:t>
+            </a:r>
+            <a:r>
+              <a:rPr lang="sk-SK" dirty="0" err="1"/>
+              <a:t>App</a:t>
+            </a:r>
+            <a:r>
+              <a:rPr lang="sk-SK" dirty="0"/>
+              <a:t> Service inštanciu reštartuje</a:t>
+            </a:r>
+          </a:p>
+          <a:p>
+            <a:pPr algn="just"/>
+            <a:r>
+              <a:rPr lang="sk-SK" b="1" dirty="0">
+                <a:latin typeface="Consolas" panose="020B0609020204030204" pitchFamily="49" charset="0"/>
+              </a:rPr>
+              <a:t>WEBSITE_HEALTHCHECK_MAXPINGFAILURES </a:t>
+            </a:r>
+            <a:r>
+              <a:rPr lang="sk-SK" dirty="0"/>
+              <a:t>– počet neúspešných PING-</a:t>
+            </a:r>
+            <a:r>
+              <a:rPr lang="sk-SK" dirty="0" err="1"/>
+              <a:t>ov</a:t>
+            </a:r>
+            <a:r>
+              <a:rPr lang="sk-SK" dirty="0"/>
+              <a:t>, po ktorých sa inštancia odstráni z </a:t>
+            </a:r>
+            <a:r>
+              <a:rPr lang="sk-SK" dirty="0" err="1"/>
+              <a:t>load</a:t>
             </a:r>
             <a:r>
               <a:rPr lang="sk-SK" dirty="0"/>
@@ -10447,48 +10546,32 @@
             </a:r>
             <a:r>
               <a:rPr lang="sk-SK" dirty="0" err="1"/>
-              <a:t>package</a:t>
-            </a:r>
-            <a:endParaRPr lang="sk-SK" dirty="0"/>
-          </a:p>
-          <a:p>
-            <a:pPr lvl="1"/>
-            <a:r>
-              <a:rPr lang="sk-SK" dirty="0" err="1"/>
-              <a:t>Deployment</a:t>
-            </a:r>
-            <a:r>
-              <a:rPr lang="sk-SK" dirty="0"/>
-              <a:t> </a:t>
-            </a:r>
-            <a:r>
-              <a:rPr lang="sk-SK" dirty="0" err="1"/>
-              <a:t>slots</a:t>
-            </a:r>
-            <a:endParaRPr lang="sk-SK" dirty="0"/>
-          </a:p>
-          <a:p>
-            <a:pPr lvl="1"/>
-            <a:r>
-              <a:rPr lang="sk-SK" dirty="0" err="1"/>
-              <a:t>Custom</a:t>
-            </a:r>
-            <a:r>
-              <a:rPr lang="sk-SK" dirty="0"/>
-              <a:t> </a:t>
-            </a:r>
-            <a:r>
-              <a:rPr lang="sk-SK" dirty="0" err="1"/>
-              <a:t>warm-up</a:t>
-            </a:r>
-            <a:endParaRPr lang="sk-SK" dirty="0"/>
+              <a:t>balancera</a:t>
+            </a:r>
+            <a:r>
+              <a:rPr lang="sk-SK" dirty="0"/>
+              <a:t> (2 – 10)</a:t>
+            </a:r>
+          </a:p>
+          <a:p>
+            <a:pPr algn="just"/>
+            <a:r>
+              <a:rPr lang="sk-SK" b="1" dirty="0">
+                <a:latin typeface="Consolas" panose="020B0609020204030204" pitchFamily="49" charset="0"/>
+              </a:rPr>
+              <a:t>WEBSITE_HEALTHCHECK_MAXUNHEALTHYWORKERPERCENT </a:t>
+            </a:r>
+            <a:r>
+              <a:rPr lang="sk-SK" dirty="0"/>
+              <a:t>– percento inštancií, ktoré môžu byť odstránené (default je 50%)</a:t>
+            </a:r>
           </a:p>
         </p:txBody>
       </p:sp>
     </p:spTree>
     <p:extLst>
       <p:ext uri="{BB962C8B-B14F-4D97-AF65-F5344CB8AC3E}">
-        <p14:creationId xmlns:p14="http://schemas.microsoft.com/office/powerpoint/2010/main" val="943498788"/>
+        <p14:creationId xmlns:p14="http://schemas.microsoft.com/office/powerpoint/2010/main" val="3771691769"/>
       </p:ext>
     </p:extLst>
   </p:cSld>
@@ -10520,7 +10603,7 @@
           <p:cNvPr id="2" name="Nadpis 1">
             <a:extLst>
               <a:ext uri="{FF2B5EF4-FFF2-40B4-BE49-F238E27FC236}">
-                <a16:creationId xmlns:a16="http://schemas.microsoft.com/office/drawing/2014/main" id="{B23DCE44-5D3F-4D45-8C88-9181548F0053}"/>
+                <a16:creationId xmlns:a16="http://schemas.microsoft.com/office/drawing/2014/main" id="{77BE2A86-D51D-400C-9E08-D21235A26E83}"/>
               </a:ext>
             </a:extLst>
           </p:cNvPr>
@@ -10538,26 +10621,13 @@
           <a:p>
             <a:pPr algn="l"/>
             <a:r>
-              <a:rPr lang="sk-SK" dirty="0" err="1"/>
-              <a:t>Deployment</a:t>
-            </a:r>
-            <a:r>
-              <a:rPr lang="sk-SK" dirty="0"/>
-              <a:t> </a:t>
-            </a:r>
-            <a:r>
-              <a:rPr lang="sk-SK" dirty="0" err="1"/>
-              <a:t>from</a:t>
-            </a:r>
-            <a:r>
-              <a:rPr lang="sk-SK" dirty="0"/>
-              <a:t> </a:t>
-            </a:r>
-            <a:r>
-              <a:rPr lang="sk-SK" dirty="0" err="1"/>
-              <a:t>package</a:t>
-            </a:r>
-            <a:endParaRPr lang="sk-SK" dirty="0"/>
+              <a:rPr lang="en-US" dirty="0" err="1"/>
+              <a:t>Logovanie</a:t>
+            </a:r>
+            <a:r>
+              <a:rPr lang="sk-SK" dirty="0"/>
+              <a:t> z aplikácie</a:t>
+            </a:r>
           </a:p>
         </p:txBody>
       </p:sp>
@@ -10566,7 +10636,7 @@
           <p:cNvPr id="3" name="Zástupný objekt pre obsah 2">
             <a:extLst>
               <a:ext uri="{FF2B5EF4-FFF2-40B4-BE49-F238E27FC236}">
-                <a16:creationId xmlns:a16="http://schemas.microsoft.com/office/drawing/2014/main" id="{DA05233D-627E-4752-84E8-07C833E637E4}"/>
+                <a16:creationId xmlns:a16="http://schemas.microsoft.com/office/drawing/2014/main" id="{294F7E87-7A4D-433F-962A-8318CE7EBE71}"/>
               </a:ext>
             </a:extLst>
           </p:cNvPr>
@@ -10579,79 +10649,192 @@
         </p:nvSpPr>
         <p:spPr/>
         <p:txBody>
-          <a:bodyPr>
-            <a:normAutofit lnSpcReduction="10000"/>
-          </a:bodyPr>
+          <a:bodyPr/>
           <a:lstStyle/>
           <a:p>
             <a:r>
               <a:rPr lang="sk-SK" dirty="0"/>
-              <a:t>Aplikácia sa nasadí ako balíček (ZIP, WAR)</a:t>
-            </a:r>
-          </a:p>
-          <a:p>
-            <a:r>
-              <a:rPr lang="sk-SK" dirty="0"/>
-              <a:t>Potrebné nastaviť </a:t>
-            </a:r>
-            <a:r>
-              <a:rPr lang="en-US" b="1" dirty="0">
+              <a:t>ASP.NET – statická trieda </a:t>
+            </a:r>
+            <a:r>
+              <a:rPr lang="en-US" b="1" dirty="0" err="1">
                 <a:latin typeface="Consolas" panose="020B0609020204030204" pitchFamily="49" charset="0"/>
               </a:rPr>
-              <a:t>WEBSITE_RUN_FROM_PACKAGE=1</a:t>
+              <a:t>System.Diagnostics.Trace</a:t>
             </a:r>
             <a:endParaRPr lang="sk-SK" b="1" dirty="0">
               <a:latin typeface="Consolas" panose="020B0609020204030204" pitchFamily="49" charset="0"/>
             </a:endParaRPr>
           </a:p>
           <a:p>
-            <a:r>
-              <a:rPr lang="sk-SK" dirty="0"/>
-              <a:t>Nasadzovanie z balíčku má viacero výhod:</a:t>
-            </a:r>
-          </a:p>
-          <a:p>
             <a:pPr lvl="1"/>
             <a:r>
-              <a:rPr lang="sk-SK" dirty="0"/>
-              <a:t>Zníženie oneskorenia pri </a:t>
-            </a:r>
-            <a:r>
-              <a:rPr lang="sk-SK" dirty="0" err="1"/>
-              <a:t>cold</a:t>
-            </a:r>
-            <a:r>
-              <a:rPr lang="sk-SK" dirty="0"/>
+              <a:rPr lang="sk-SK" dirty="0" err="1">
+                <a:latin typeface="Consolas" panose="020B0609020204030204" pitchFamily="49" charset="0"/>
+              </a:rPr>
+              <a:t>TraceError</a:t>
+            </a:r>
+            <a:r>
+              <a:rPr lang="sk-SK" dirty="0"/>
+              <a:t>, </a:t>
+            </a:r>
+            <a:r>
+              <a:rPr lang="sk-SK" dirty="0" err="1">
+                <a:latin typeface="Consolas" panose="020B0609020204030204" pitchFamily="49" charset="0"/>
+              </a:rPr>
+              <a:t>TraceWarning</a:t>
+            </a:r>
+            <a:r>
+              <a:rPr lang="sk-SK" dirty="0"/>
+              <a:t>, </a:t>
+            </a:r>
+            <a:r>
+              <a:rPr lang="sk-SK" dirty="0" err="1">
+                <a:latin typeface="Consolas" panose="020B0609020204030204" pitchFamily="49" charset="0"/>
+              </a:rPr>
+              <a:t>TraceInformation</a:t>
+            </a:r>
+            <a:r>
+              <a:rPr lang="sk-SK" dirty="0"/>
+              <a:t>, </a:t>
+            </a:r>
+            <a:r>
+              <a:rPr lang="sk-SK" dirty="0" err="1">
+                <a:latin typeface="Consolas" panose="020B0609020204030204" pitchFamily="49" charset="0"/>
+              </a:rPr>
+              <a:t>TraceLine</a:t>
+            </a:r>
+            <a:r>
+              <a:rPr lang="sk-SK" dirty="0">
+                <a:latin typeface="Consolas" panose="020B0609020204030204" pitchFamily="49" charset="0"/>
+              </a:rPr>
               <a:t> </a:t>
             </a:r>
             <a:r>
-              <a:rPr lang="sk-SK" dirty="0" err="1"/>
-              <a:t>start</a:t>
-            </a:r>
-            <a:r>
-              <a:rPr lang="sk-SK" dirty="0"/>
-              <a:t>-e</a:t>
-            </a:r>
+              <a:rPr lang="sk-SK" dirty="0"/>
+              <a:t>(= </a:t>
+            </a:r>
+            <a:r>
+              <a:rPr lang="sk-SK" dirty="0" err="1"/>
+              <a:t>verbose</a:t>
+            </a:r>
+            <a:r>
+              <a:rPr lang="sk-SK" dirty="0"/>
+              <a:t>)</a:t>
+            </a:r>
+          </a:p>
+          <a:p>
+            <a:r>
+              <a:rPr lang="sk-SK" dirty="0"/>
+              <a:t>ASP.NET </a:t>
+            </a:r>
+            <a:r>
+              <a:rPr lang="sk-SK" dirty="0" err="1"/>
+              <a:t>Core</a:t>
+            </a:r>
+            <a:r>
+              <a:rPr lang="sk-SK" dirty="0"/>
+              <a:t> – </a:t>
+            </a:r>
+            <a:r>
+              <a:rPr lang="sk-SK" dirty="0" err="1"/>
+              <a:t>logger</a:t>
+            </a:r>
+            <a:r>
+              <a:rPr lang="sk-SK" dirty="0"/>
+              <a:t> získaný z </a:t>
+            </a:r>
+            <a:r>
+              <a:rPr lang="sk-SK" dirty="0" err="1"/>
+              <a:t>factory</a:t>
+            </a:r>
+            <a:endParaRPr lang="sk-SK" dirty="0"/>
           </a:p>
           <a:p>
             <a:pPr lvl="1"/>
             <a:r>
-              <a:rPr lang="sk-SK" dirty="0"/>
-              <a:t>Vždy bude bežať iba plne nasadená aplikácia</a:t>
+              <a:rPr lang="sk-SK" dirty="0" err="1">
+                <a:latin typeface="Consolas" panose="020B0609020204030204" pitchFamily="49" charset="0"/>
+              </a:rPr>
+              <a:t>LogCritical</a:t>
+            </a:r>
+            <a:r>
+              <a:rPr lang="sk-SK" dirty="0"/>
+              <a:t>, </a:t>
+            </a:r>
+            <a:r>
+              <a:rPr lang="sk-SK" dirty="0" err="1">
+                <a:latin typeface="Consolas" panose="020B0609020204030204" pitchFamily="49" charset="0"/>
+              </a:rPr>
+              <a:t>LogError</a:t>
+            </a:r>
+            <a:r>
+              <a:rPr lang="sk-SK" dirty="0"/>
+              <a:t>, </a:t>
+            </a:r>
+            <a:r>
+              <a:rPr lang="sk-SK" dirty="0" err="1">
+                <a:latin typeface="Consolas" panose="020B0609020204030204" pitchFamily="49" charset="0"/>
+              </a:rPr>
+              <a:t>LogWarning</a:t>
+            </a:r>
+            <a:r>
+              <a:rPr lang="sk-SK" dirty="0"/>
+              <a:t>, </a:t>
+            </a:r>
+            <a:r>
+              <a:rPr lang="sk-SK" dirty="0" err="1">
+                <a:latin typeface="Consolas" panose="020B0609020204030204" pitchFamily="49" charset="0"/>
+              </a:rPr>
+              <a:t>LogInformation</a:t>
+            </a:r>
+            <a:r>
+              <a:rPr lang="sk-SK" dirty="0"/>
+              <a:t>, </a:t>
+            </a:r>
+            <a:r>
+              <a:rPr lang="sk-SK" dirty="0" err="1">
+                <a:latin typeface="Consolas" panose="020B0609020204030204" pitchFamily="49" charset="0"/>
+              </a:rPr>
+              <a:t>LogDebug</a:t>
+            </a:r>
+            <a:r>
+              <a:rPr lang="sk-SK" dirty="0"/>
+              <a:t>, </a:t>
+            </a:r>
+            <a:r>
+              <a:rPr lang="sk-SK" dirty="0" err="1">
+                <a:latin typeface="Consolas" panose="020B0609020204030204" pitchFamily="49" charset="0"/>
+              </a:rPr>
+              <a:t>LogTrace</a:t>
+            </a:r>
+            <a:endParaRPr lang="sk-SK" dirty="0">
+              <a:latin typeface="Consolas" panose="020B0609020204030204" pitchFamily="49" charset="0"/>
+            </a:endParaRPr>
+          </a:p>
+          <a:p>
+            <a:r>
+              <a:rPr lang="sk-SK" dirty="0"/>
+              <a:t>Node.js</a:t>
             </a:r>
           </a:p>
           <a:p>
             <a:pPr lvl="1"/>
             <a:r>
-              <a:rPr lang="sk-SK" dirty="0"/>
-              <a:t>Odstráni problém so zamknutými súbormi pri nasadzovaní</a:t>
-            </a:r>
-          </a:p>
-          <a:p>
-            <a:pPr lvl="1"/>
-            <a:r>
-              <a:rPr lang="sk-SK" dirty="0"/>
-              <a:t>Zlepšuje výkon nasadzovania cez ARM</a:t>
+              <a:rPr lang="sk-SK" dirty="0" err="1">
+                <a:latin typeface="Consolas" panose="020B0609020204030204" pitchFamily="49" charset="0"/>
+              </a:rPr>
+              <a:t>console.error</a:t>
+            </a:r>
+            <a:r>
+              <a:rPr lang="sk-SK" dirty="0"/>
+              <a:t>, </a:t>
+            </a:r>
+            <a:r>
+              <a:rPr lang="sk-SK" dirty="0">
+                <a:latin typeface="Consolas" panose="020B0609020204030204" pitchFamily="49" charset="0"/>
+              </a:rPr>
+              <a:t>console.log</a:t>
             </a:r>
           </a:p>
         </p:txBody>
@@ -10659,7 +10842,7 @@
     </p:spTree>
     <p:extLst>
       <p:ext uri="{BB962C8B-B14F-4D97-AF65-F5344CB8AC3E}">
-        <p14:creationId xmlns:p14="http://schemas.microsoft.com/office/powerpoint/2010/main" val="2312443424"/>
+        <p14:creationId xmlns:p14="http://schemas.microsoft.com/office/powerpoint/2010/main" val="1889921255"/>
       </p:ext>
     </p:extLst>
   </p:cSld>
@@ -10691,7 +10874,7 @@
           <p:cNvPr id="2" name="Nadpis 1">
             <a:extLst>
               <a:ext uri="{FF2B5EF4-FFF2-40B4-BE49-F238E27FC236}">
-                <a16:creationId xmlns:a16="http://schemas.microsoft.com/office/drawing/2014/main" id="{9927A4B6-700F-4E15-BA5A-B7B7B2604A57}"/>
+                <a16:creationId xmlns:a16="http://schemas.microsoft.com/office/drawing/2014/main" id="{673A57DB-BA27-4166-88E3-B31A8ED166C3}"/>
               </a:ext>
             </a:extLst>
           </p:cNvPr>
@@ -10709,18 +10892,9 @@
           <a:p>
             <a:pPr algn="l"/>
             <a:r>
-              <a:rPr lang="sk-SK" dirty="0" err="1"/>
-              <a:t>Deployment</a:t>
-            </a:r>
-            <a:r>
-              <a:rPr lang="sk-SK" dirty="0"/>
-              <a:t> </a:t>
-            </a:r>
-            <a:r>
-              <a:rPr lang="sk-SK" dirty="0" err="1"/>
-              <a:t>slots</a:t>
-            </a:r>
-            <a:endParaRPr lang="sk-SK" dirty="0"/>
+              <a:rPr lang="sk-SK" dirty="0"/>
+              <a:t>Logovanie - Windows</a:t>
+            </a:r>
           </a:p>
         </p:txBody>
       </p:sp>
@@ -10729,7 +10903,7 @@
           <p:cNvPr id="3" name="Zástupný objekt pre obsah 2">
             <a:extLst>
               <a:ext uri="{FF2B5EF4-FFF2-40B4-BE49-F238E27FC236}">
-                <a16:creationId xmlns:a16="http://schemas.microsoft.com/office/drawing/2014/main" id="{3B486ED6-6178-40C9-A7F1-270A7DB3ADE1}"/>
+                <a16:creationId xmlns:a16="http://schemas.microsoft.com/office/drawing/2014/main" id="{B90C3C0A-5DD5-411B-BDB0-21C7762F3A23}"/>
               </a:ext>
             </a:extLst>
           </p:cNvPr>
@@ -10742,80 +10916,190 @@
         </p:nvSpPr>
         <p:spPr/>
         <p:txBody>
-          <a:bodyPr/>
+          <a:bodyPr>
+            <a:normAutofit fontScale="85000" lnSpcReduction="10000"/>
+          </a:bodyPr>
           <a:lstStyle/>
           <a:p>
-            <a:r>
-              <a:rPr lang="sk-SK" dirty="0" err="1"/>
+            <a:pPr algn="just"/>
+            <a:r>
+              <a:rPr lang="sk-SK" b="1" dirty="0" err="1"/>
+              <a:t>Application</a:t>
+            </a:r>
+            <a:r>
+              <a:rPr lang="sk-SK" b="1" dirty="0"/>
+              <a:t> </a:t>
+            </a:r>
+            <a:r>
+              <a:rPr lang="sk-SK" b="1" dirty="0" err="1"/>
+              <a:t>logging</a:t>
+            </a:r>
+            <a:r>
+              <a:rPr lang="sk-SK" b="1" dirty="0"/>
+              <a:t> </a:t>
+            </a:r>
+            <a:r>
+              <a:rPr lang="sk-SK" dirty="0"/>
+              <a:t>(s voľbou úrovne) – logy z aplikácie</a:t>
+            </a:r>
+          </a:p>
+          <a:p>
+            <a:pPr lvl="1" algn="just"/>
+            <a:r>
+              <a:rPr lang="sk-SK" dirty="0" err="1"/>
+              <a:t>Filesystem</a:t>
+            </a:r>
+            <a:r>
+              <a:rPr lang="sk-SK" dirty="0"/>
+              <a:t> – logy sa ukladajú na virtuálny disk patriaci k aplikácii, odporúča sa ako dočasné riešenie - automaticky sa vypne po 12 hodinách</a:t>
+            </a:r>
+          </a:p>
+          <a:p>
+            <a:pPr lvl="1" algn="just"/>
+            <a:r>
+              <a:rPr lang="sk-SK" dirty="0" err="1"/>
+              <a:t>Blob</a:t>
+            </a:r>
+            <a:r>
+              <a:rPr lang="sk-SK" dirty="0"/>
+              <a:t> – logy sa ukladajú do </a:t>
+            </a:r>
+            <a:r>
+              <a:rPr lang="sk-SK" dirty="0" err="1"/>
+              <a:t>Azure</a:t>
+            </a:r>
+            <a:r>
+              <a:rPr lang="sk-SK" dirty="0"/>
+              <a:t> </a:t>
+            </a:r>
+            <a:r>
+              <a:rPr lang="sk-SK" dirty="0" err="1"/>
+              <a:t>Storage</a:t>
+            </a:r>
+            <a:r>
+              <a:rPr lang="sk-SK" dirty="0"/>
+              <a:t>, je možné nastaviť, koľko sa majú uchovávať</a:t>
+            </a:r>
+          </a:p>
+          <a:p>
+            <a:pPr algn="just"/>
+            <a:r>
+              <a:rPr lang="sk-SK" b="1" dirty="0"/>
+              <a:t>Web server </a:t>
+            </a:r>
+            <a:r>
+              <a:rPr lang="sk-SK" b="1" dirty="0" err="1"/>
+              <a:t>logging</a:t>
+            </a:r>
+            <a:r>
+              <a:rPr lang="sk-SK" b="1" dirty="0"/>
+              <a:t> </a:t>
+            </a:r>
+            <a:r>
+              <a:rPr lang="sk-SK" dirty="0"/>
+              <a:t>– neupravené dáta o všetkých HTTP dotazoch na server</a:t>
+            </a:r>
+          </a:p>
+          <a:p>
+            <a:pPr algn="just"/>
+            <a:r>
+              <a:rPr lang="sk-SK" b="1" dirty="0" err="1"/>
+              <a:t>Detailed</a:t>
+            </a:r>
+            <a:r>
+              <a:rPr lang="sk-SK" b="1" dirty="0"/>
+              <a:t> </a:t>
+            </a:r>
+            <a:r>
+              <a:rPr lang="sk-SK" b="1" dirty="0" err="1"/>
+              <a:t>error</a:t>
+            </a:r>
+            <a:r>
+              <a:rPr lang="sk-SK" b="1" dirty="0"/>
+              <a:t> </a:t>
+            </a:r>
+            <a:r>
+              <a:rPr lang="sk-SK" b="1" dirty="0" err="1"/>
+              <a:t>messages</a:t>
+            </a:r>
+            <a:r>
+              <a:rPr lang="sk-SK" b="1" dirty="0"/>
+              <a:t> </a:t>
+            </a:r>
+            <a:r>
+              <a:rPr lang="sk-SK" dirty="0"/>
+              <a:t>– kópie chybových .</a:t>
+            </a:r>
+            <a:r>
+              <a:rPr lang="sk-SK" dirty="0" err="1"/>
+              <a:t>htm</a:t>
+            </a:r>
+            <a:r>
+              <a:rPr lang="sk-SK" dirty="0"/>
+              <a:t> stránok, ktoré </a:t>
+            </a:r>
+            <a:r>
+              <a:rPr lang="en-US" dirty="0"/>
+              <a:t>by </a:t>
+            </a:r>
+            <a:r>
+              <a:rPr lang="sk-SK" dirty="0"/>
+              <a:t>sa zobrazili klientovi</a:t>
+            </a:r>
+          </a:p>
+          <a:p>
+            <a:pPr algn="just"/>
+            <a:r>
+              <a:rPr lang="sk-SK" b="1" dirty="0" err="1"/>
+              <a:t>Failed</a:t>
+            </a:r>
+            <a:r>
+              <a:rPr lang="sk-SK" b="1" dirty="0"/>
+              <a:t> </a:t>
+            </a:r>
+            <a:r>
+              <a:rPr lang="sk-SK" b="1" dirty="0" err="1"/>
+              <a:t>request</a:t>
+            </a:r>
+            <a:r>
+              <a:rPr lang="sk-SK" b="1" dirty="0"/>
+              <a:t> </a:t>
+            </a:r>
+            <a:r>
+              <a:rPr lang="sk-SK" b="1" dirty="0" err="1"/>
+              <a:t>tracing</a:t>
+            </a:r>
+            <a:r>
+              <a:rPr lang="sk-SK" dirty="0"/>
+              <a:t> – detailné informácie o neúspešných dotazoch</a:t>
+            </a:r>
+          </a:p>
+          <a:p>
+            <a:pPr algn="just"/>
+            <a:r>
+              <a:rPr lang="sk-SK" b="1" dirty="0" err="1"/>
               <a:t>Deployment</a:t>
             </a:r>
             <a:r>
-              <a:rPr lang="sk-SK" dirty="0"/>
-              <a:t> slot = nasadenie aplikácie v rámci </a:t>
-            </a:r>
-            <a:r>
-              <a:rPr lang="sk-SK" dirty="0" err="1"/>
-              <a:t>App</a:t>
-            </a:r>
-            <a:r>
-              <a:rPr lang="sk-SK" dirty="0"/>
-              <a:t> Service</a:t>
-            </a:r>
-          </a:p>
-          <a:p>
-            <a:r>
-              <a:rPr lang="sk-SK" dirty="0"/>
-              <a:t>Každý slot sa berie ako osobitná inštancia aplikácie a má vlastnú URL</a:t>
-            </a:r>
-          </a:p>
-          <a:p>
-            <a:r>
-              <a:rPr lang="sk-SK" dirty="0"/>
-              <a:t>Slot používa rovnaký </a:t>
-            </a:r>
-            <a:r>
-              <a:rPr lang="sk-SK" dirty="0" err="1"/>
-              <a:t>App</a:t>
-            </a:r>
-            <a:r>
-              <a:rPr lang="sk-SK" dirty="0"/>
-              <a:t> Service </a:t>
-            </a:r>
-            <a:r>
-              <a:rPr lang="sk-SK" dirty="0" err="1"/>
-              <a:t>Plan</a:t>
-            </a:r>
-            <a:r>
-              <a:rPr lang="sk-SK" dirty="0"/>
-              <a:t> (rovnaké prostriedky)</a:t>
-            </a:r>
-          </a:p>
-          <a:p>
-            <a:r>
-              <a:rPr lang="sk-SK" dirty="0"/>
-              <a:t>Pri vytváraní slotu je možné skopírovať nastavenia, ale nie obsah</a:t>
-            </a:r>
-          </a:p>
-          <a:p>
-            <a:r>
-              <a:rPr lang="sk-SK" dirty="0"/>
-              <a:t>Standard: max. 5 slotov, Premium a </a:t>
-            </a:r>
-            <a:r>
-              <a:rPr lang="sk-SK" dirty="0" err="1"/>
-              <a:t>Isolated</a:t>
-            </a:r>
-            <a:r>
-              <a:rPr lang="sk-SK" dirty="0"/>
-              <a:t>: max. 20 slotov</a:t>
-            </a:r>
+              <a:rPr lang="sk-SK" b="1" dirty="0"/>
+              <a:t> </a:t>
+            </a:r>
+            <a:r>
+              <a:rPr lang="sk-SK" b="1" dirty="0" err="1"/>
+              <a:t>logging</a:t>
+            </a:r>
+            <a:r>
+              <a:rPr lang="sk-SK" dirty="0"/>
+              <a:t> – automatické logovanie nasadzovania aplikácie</a:t>
+            </a:r>
+            <a:endParaRPr lang="sk-SK" b="1" dirty="0"/>
           </a:p>
         </p:txBody>
       </p:sp>
     </p:spTree>
     <p:extLst>
       <p:ext uri="{BB962C8B-B14F-4D97-AF65-F5344CB8AC3E}">
-        <p14:creationId xmlns:p14="http://schemas.microsoft.com/office/powerpoint/2010/main" val="1616030742"/>
+        <p14:creationId xmlns:p14="http://schemas.microsoft.com/office/powerpoint/2010/main" val="489766622"/>
       </p:ext>
     </p:extLst>
   </p:cSld>
@@ -10847,7 +11131,7 @@
           <p:cNvPr id="2" name="Nadpis 1">
             <a:extLst>
               <a:ext uri="{FF2B5EF4-FFF2-40B4-BE49-F238E27FC236}">
-                <a16:creationId xmlns:a16="http://schemas.microsoft.com/office/drawing/2014/main" id="{BDBC5F6B-AD71-4891-8B65-99ED925F08DF}"/>
+                <a16:creationId xmlns:a16="http://schemas.microsoft.com/office/drawing/2014/main" id="{CB404731-61A9-4B01-90AF-FF3DB2F65ED5}"/>
               </a:ext>
             </a:extLst>
           </p:cNvPr>
@@ -10865,20 +11149,8 @@
           <a:p>
             <a:pPr algn="l"/>
             <a:r>
-              <a:rPr lang="sk-SK" dirty="0" err="1"/>
-              <a:t>Deployment</a:t>
-            </a:r>
-            <a:r>
-              <a:rPr lang="sk-SK" dirty="0"/>
-              <a:t> </a:t>
-            </a:r>
-            <a:r>
-              <a:rPr lang="sk-SK" dirty="0" err="1"/>
-              <a:t>slots</a:t>
-            </a:r>
-            <a:r>
-              <a:rPr lang="sk-SK" dirty="0"/>
-              <a:t> - využitie</a:t>
+              <a:rPr lang="sk-SK" dirty="0"/>
+              <a:t>Logovanie - Windows</a:t>
             </a:r>
           </a:p>
         </p:txBody>
@@ -10888,7 +11160,7 @@
           <p:cNvPr id="3" name="Zástupný objekt pre obsah 2">
             <a:extLst>
               <a:ext uri="{FF2B5EF4-FFF2-40B4-BE49-F238E27FC236}">
-                <a16:creationId xmlns:a16="http://schemas.microsoft.com/office/drawing/2014/main" id="{DE41F465-5672-4D87-B895-422EE58A864C}"/>
+                <a16:creationId xmlns:a16="http://schemas.microsoft.com/office/drawing/2014/main" id="{FD58D547-7469-40F8-A101-3BCD3BD31685}"/>
               </a:ext>
             </a:extLst>
           </p:cNvPr>
@@ -10901,32 +11173,221 @@
         </p:nvSpPr>
         <p:spPr/>
         <p:txBody>
-          <a:bodyPr/>
+          <a:bodyPr>
+            <a:normAutofit fontScale="77500" lnSpcReduction="20000"/>
+          </a:bodyPr>
           <a:lstStyle/>
           <a:p>
             <a:r>
               <a:rPr lang="sk-SK" dirty="0" err="1"/>
-              <a:t>Bezvýpadkové</a:t>
-            </a:r>
-            <a:r>
-              <a:rPr lang="sk-SK" dirty="0"/>
-              <a:t> nasadzovanie</a:t>
-            </a:r>
-          </a:p>
-          <a:p>
-            <a:r>
-              <a:rPr lang="sk-SK" dirty="0"/>
-              <a:t>Vyskúšanie novej verzie pred zverejnením</a:t>
-            </a:r>
-          </a:p>
-          <a:p>
-            <a:r>
-              <a:rPr lang="sk-SK" dirty="0" err="1"/>
-              <a:t>Rollback</a:t>
-            </a:r>
-            <a:r>
-              <a:rPr lang="sk-SK" dirty="0"/>
-              <a:t> v prípade problémov</a:t>
+              <a:t>Blob</a:t>
+            </a:r>
+            <a:r>
+              <a:rPr lang="sk-SK" dirty="0"/>
+              <a:t>:</a:t>
+            </a:r>
+          </a:p>
+          <a:p>
+            <a:pPr lvl="1"/>
+            <a:r>
+              <a:rPr lang="sk-SK" dirty="0"/>
+              <a:t>Logy sa ukladajú hierarchicky podľa roku, mesiaca, dňa a hodiny</a:t>
+            </a:r>
+          </a:p>
+          <a:p>
+            <a:r>
+              <a:rPr lang="sk-SK" dirty="0" err="1"/>
+              <a:t>Filesystem</a:t>
+            </a:r>
+            <a:r>
+              <a:rPr lang="sk-SK" dirty="0"/>
+              <a:t>:</a:t>
+            </a:r>
+          </a:p>
+          <a:p>
+            <a:pPr lvl="1"/>
+            <a:r>
+              <a:rPr lang="sk-SK" dirty="0"/>
+              <a:t>D</a:t>
+            </a:r>
+            <a:r>
+              <a:rPr lang="en-US" dirty="0"/>
+              <a:t>:\home\</a:t>
+            </a:r>
+            <a:r>
+              <a:rPr lang="en-US" dirty="0" err="1"/>
+              <a:t>LogFiles</a:t>
+            </a:r>
+            <a:endParaRPr lang="sk-SK" dirty="0"/>
+          </a:p>
+          <a:p>
+            <a:pPr lvl="1"/>
+            <a:r>
+              <a:rPr lang="sk-SK" dirty="0" err="1"/>
+              <a:t>Podpriečinky</a:t>
+            </a:r>
+            <a:r>
+              <a:rPr lang="sk-SK" dirty="0"/>
+              <a:t>:</a:t>
+            </a:r>
+          </a:p>
+          <a:p>
+            <a:pPr lvl="2"/>
+            <a:r>
+              <a:rPr lang="sk-SK" dirty="0" err="1"/>
+              <a:t>Application</a:t>
+            </a:r>
+            <a:r>
+              <a:rPr lang="sk-SK" dirty="0"/>
+              <a:t> (</a:t>
+            </a:r>
+            <a:r>
+              <a:rPr lang="sk-SK" dirty="0" err="1"/>
+              <a:t>Application</a:t>
+            </a:r>
+            <a:r>
+              <a:rPr lang="sk-SK" dirty="0"/>
+              <a:t> </a:t>
+            </a:r>
+            <a:r>
+              <a:rPr lang="sk-SK" dirty="0" err="1"/>
+              <a:t>logging</a:t>
+            </a:r>
+            <a:r>
+              <a:rPr lang="sk-SK" dirty="0"/>
+              <a:t>)</a:t>
+            </a:r>
+          </a:p>
+          <a:p>
+            <a:pPr lvl="2"/>
+            <a:r>
+              <a:rPr lang="sk-SK" dirty="0"/>
+              <a:t>http (Web server </a:t>
+            </a:r>
+            <a:r>
+              <a:rPr lang="sk-SK" dirty="0" err="1"/>
+              <a:t>logging</a:t>
+            </a:r>
+            <a:r>
+              <a:rPr lang="sk-SK" dirty="0"/>
+              <a:t>)</a:t>
+            </a:r>
+          </a:p>
+          <a:p>
+            <a:pPr lvl="2"/>
+            <a:r>
+              <a:rPr lang="sk-SK" dirty="0" err="1"/>
+              <a:t>DetailedErrors</a:t>
+            </a:r>
+            <a:r>
+              <a:rPr lang="sk-SK" dirty="0"/>
+              <a:t> (</a:t>
+            </a:r>
+            <a:r>
+              <a:rPr lang="sk-SK" dirty="0" err="1"/>
+              <a:t>Detailed</a:t>
+            </a:r>
+            <a:r>
+              <a:rPr lang="sk-SK" dirty="0"/>
+              <a:t> </a:t>
+            </a:r>
+            <a:r>
+              <a:rPr lang="sk-SK" dirty="0" err="1"/>
+              <a:t>error</a:t>
+            </a:r>
+            <a:r>
+              <a:rPr lang="sk-SK" dirty="0"/>
+              <a:t> </a:t>
+            </a:r>
+            <a:r>
+              <a:rPr lang="sk-SK" dirty="0" err="1"/>
+              <a:t>messages</a:t>
+            </a:r>
+            <a:r>
+              <a:rPr lang="sk-SK" dirty="0"/>
+              <a:t>)</a:t>
+            </a:r>
+          </a:p>
+          <a:p>
+            <a:pPr lvl="2"/>
+            <a:r>
+              <a:rPr lang="sk-SK" dirty="0"/>
+              <a:t>W3SVC</a:t>
+            </a:r>
+            <a:r>
+              <a:rPr lang="en-US" dirty="0"/>
+              <a:t>&lt;</a:t>
+            </a:r>
+            <a:r>
+              <a:rPr lang="sk-SK" dirty="0"/>
+              <a:t>číslo</a:t>
+            </a:r>
+            <a:r>
+              <a:rPr lang="en-US" dirty="0"/>
+              <a:t>&gt; </a:t>
+            </a:r>
+            <a:r>
+              <a:rPr lang="sk-SK" dirty="0"/>
+              <a:t>(</a:t>
+            </a:r>
+            <a:r>
+              <a:rPr lang="sk-SK" dirty="0" err="1"/>
+              <a:t>Failed</a:t>
+            </a:r>
+            <a:r>
+              <a:rPr lang="sk-SK" dirty="0"/>
+              <a:t> </a:t>
+            </a:r>
+            <a:r>
+              <a:rPr lang="sk-SK" dirty="0" err="1"/>
+              <a:t>request</a:t>
+            </a:r>
+            <a:r>
+              <a:rPr lang="sk-SK" dirty="0"/>
+              <a:t> </a:t>
+            </a:r>
+            <a:r>
+              <a:rPr lang="sk-SK" dirty="0" err="1"/>
+              <a:t>tracing</a:t>
+            </a:r>
+            <a:r>
+              <a:rPr lang="sk-SK" dirty="0"/>
+              <a:t>)</a:t>
+            </a:r>
+          </a:p>
+          <a:p>
+            <a:pPr lvl="2"/>
+            <a:r>
+              <a:rPr lang="en-US" dirty="0"/>
+              <a:t>k</a:t>
+            </a:r>
+            <a:r>
+              <a:rPr lang="sk-SK" dirty="0" err="1"/>
+              <a:t>udu</a:t>
+            </a:r>
+            <a:r>
+              <a:rPr lang="en-US" dirty="0"/>
+              <a:t>\deployment </a:t>
+            </a:r>
+            <a:r>
+              <a:rPr lang="sk-SK" dirty="0"/>
+              <a:t>(</a:t>
+            </a:r>
+            <a:r>
+              <a:rPr lang="sk-SK" dirty="0" err="1"/>
+              <a:t>Deployment</a:t>
+            </a:r>
+            <a:r>
+              <a:rPr lang="sk-SK" dirty="0"/>
+              <a:t> </a:t>
+            </a:r>
+            <a:r>
+              <a:rPr lang="sk-SK" dirty="0" err="1"/>
+              <a:t>logging</a:t>
+            </a:r>
+            <a:r>
+              <a:rPr lang="sk-SK" dirty="0"/>
+              <a:t>)</a:t>
             </a:r>
           </a:p>
         </p:txBody>
@@ -10934,7 +11395,7 @@
     </p:spTree>
     <p:extLst>
       <p:ext uri="{BB962C8B-B14F-4D97-AF65-F5344CB8AC3E}">
-        <p14:creationId xmlns:p14="http://schemas.microsoft.com/office/powerpoint/2010/main" val="2796156243"/>
+        <p14:creationId xmlns:p14="http://schemas.microsoft.com/office/powerpoint/2010/main" val="2118285538"/>
       </p:ext>
     </p:extLst>
   </p:cSld>
@@ -11172,7 +11633,7 @@
           <p:cNvPr id="2" name="Nadpis 1">
             <a:extLst>
               <a:ext uri="{FF2B5EF4-FFF2-40B4-BE49-F238E27FC236}">
-                <a16:creationId xmlns:a16="http://schemas.microsoft.com/office/drawing/2014/main" id="{0703B667-F8AC-4BBC-84F2-FACB31A16CD5}"/>
+                <a16:creationId xmlns:a16="http://schemas.microsoft.com/office/drawing/2014/main" id="{F039BA94-51B4-481F-900E-5F9652C3B9D4}"/>
               </a:ext>
             </a:extLst>
           </p:cNvPr>
@@ -11191,7 +11652,7 @@
             <a:pPr algn="l"/>
             <a:r>
               <a:rPr lang="sk-SK" dirty="0"/>
-              <a:t>Slot swap</a:t>
+              <a:t>Logovanie - Linux</a:t>
             </a:r>
           </a:p>
         </p:txBody>
@@ -11201,7 +11662,7 @@
           <p:cNvPr id="3" name="Zástupný objekt pre obsah 2">
             <a:extLst>
               <a:ext uri="{FF2B5EF4-FFF2-40B4-BE49-F238E27FC236}">
-                <a16:creationId xmlns:a16="http://schemas.microsoft.com/office/drawing/2014/main" id="{A0C3CF59-75C5-496F-BE3A-6E5DB77CC073}"/>
+                <a16:creationId xmlns:a16="http://schemas.microsoft.com/office/drawing/2014/main" id="{B08F7BB8-EC9C-4BAF-8976-CEAC08724C68}"/>
               </a:ext>
             </a:extLst>
           </p:cNvPr>
@@ -11214,72 +11675,126 @@
         </p:nvSpPr>
         <p:spPr/>
         <p:txBody>
-          <a:bodyPr>
-            <a:normAutofit fontScale="92500" lnSpcReduction="10000"/>
-          </a:bodyPr>
+          <a:bodyPr/>
           <a:lstStyle/>
           <a:p>
-            <a:pPr algn="just"/>
-            <a:r>
-              <a:rPr lang="sk-SK" dirty="0"/>
-              <a:t>Nová verzia aplikácie sa môže nasadiť do dočasného/testovacieho slotu a následne sa pomocou slot swapu presunúť do produkčného slotu</a:t>
-            </a:r>
-          </a:p>
-          <a:p>
-            <a:pPr algn="just"/>
-            <a:r>
-              <a:rPr lang="sk-SK" dirty="0"/>
-              <a:t>Pri swape sa vymení obsah slotov. To umožňuje v prípade problémov urobiť swap znova a vrátiť pôvodnú produkčnú verziu.</a:t>
-            </a:r>
-          </a:p>
-          <a:p>
-            <a:pPr algn="just"/>
-            <a:r>
-              <a:rPr lang="sk-SK" dirty="0"/>
-              <a:t>Pri swape sa dotazy presmerujú bez toho, aby si to používatelia všimli a žiadne </a:t>
-            </a:r>
-            <a:r>
-              <a:rPr lang="sk-SK" dirty="0" err="1"/>
-              <a:t>requesty</a:t>
-            </a:r>
-            <a:r>
-              <a:rPr lang="sk-SK" dirty="0"/>
-              <a:t> nespadnú</a:t>
-            </a:r>
-          </a:p>
-          <a:p>
-            <a:pPr algn="just"/>
-            <a:r>
-              <a:rPr lang="sk-SK" b="1" dirty="0"/>
-              <a:t>Swap </a:t>
-            </a:r>
-            <a:r>
-              <a:rPr lang="sk-SK" b="1" dirty="0" err="1"/>
-              <a:t>with</a:t>
-            </a:r>
-            <a:r>
-              <a:rPr lang="sk-SK" b="1" dirty="0"/>
+            <a:r>
+              <a:rPr lang="sk-SK" dirty="0"/>
+              <a:t>Podporuje iba </a:t>
+            </a:r>
+            <a:r>
+              <a:rPr lang="sk-SK" dirty="0" err="1"/>
+              <a:t>Application</a:t>
+            </a:r>
+            <a:r>
+              <a:rPr lang="sk-SK" dirty="0"/>
               <a:t> </a:t>
             </a:r>
             <a:r>
-              <a:rPr lang="sk-SK" b="1" dirty="0" err="1"/>
-              <a:t>preview</a:t>
-            </a:r>
-            <a:r>
-              <a:rPr lang="sk-SK" b="1" dirty="0"/>
-              <a:t>: </a:t>
-            </a:r>
-            <a:r>
-              <a:rPr lang="sk-SK" dirty="0"/>
-              <a:t>Swap sa zastaví po skopírovaní produkčného nastavenia, čo umožňuje otestovať si novú funkčnosť s produkčnými nastaveniami</a:t>
-            </a:r>
+              <a:rPr lang="sk-SK" dirty="0" err="1"/>
+              <a:t>logging</a:t>
+            </a:r>
+            <a:r>
+              <a:rPr lang="sk-SK" dirty="0"/>
+              <a:t> a </a:t>
+            </a:r>
+            <a:r>
+              <a:rPr lang="sk-SK" dirty="0" err="1"/>
+              <a:t>Deployment</a:t>
+            </a:r>
+            <a:r>
+              <a:rPr lang="sk-SK" dirty="0"/>
+              <a:t> </a:t>
+            </a:r>
+            <a:r>
+              <a:rPr lang="sk-SK" dirty="0" err="1"/>
+              <a:t>logging</a:t>
+            </a:r>
+            <a:endParaRPr lang="sk-SK" dirty="0"/>
+          </a:p>
+          <a:p>
+            <a:r>
+              <a:rPr lang="sk-SK" dirty="0" err="1"/>
+              <a:t>Application</a:t>
+            </a:r>
+            <a:r>
+              <a:rPr lang="sk-SK" dirty="0"/>
+              <a:t> </a:t>
+            </a:r>
+            <a:r>
+              <a:rPr lang="sk-SK" dirty="0" err="1"/>
+              <a:t>logging</a:t>
+            </a:r>
+            <a:r>
+              <a:rPr lang="sk-SK" dirty="0"/>
+              <a:t>:</a:t>
+            </a:r>
+          </a:p>
+          <a:p>
+            <a:pPr lvl="1"/>
+            <a:r>
+              <a:rPr lang="sk-SK" dirty="0"/>
+              <a:t>Iba </a:t>
+            </a:r>
+            <a:r>
+              <a:rPr lang="sk-SK" dirty="0" err="1"/>
+              <a:t>File</a:t>
+            </a:r>
+            <a:r>
+              <a:rPr lang="sk-SK" dirty="0"/>
+              <a:t> </a:t>
+            </a:r>
+            <a:r>
+              <a:rPr lang="sk-SK" dirty="0" err="1"/>
+              <a:t>system</a:t>
+            </a:r>
+            <a:r>
+              <a:rPr lang="sk-SK" dirty="0"/>
+              <a:t> (</a:t>
+            </a:r>
+            <a:r>
+              <a:rPr lang="sk-SK" dirty="0" err="1"/>
+              <a:t>quota</a:t>
+            </a:r>
+            <a:r>
+              <a:rPr lang="sk-SK" dirty="0"/>
+              <a:t>, </a:t>
+            </a:r>
+            <a:r>
+              <a:rPr lang="sk-SK" dirty="0" err="1"/>
+              <a:t>retention</a:t>
+            </a:r>
+            <a:r>
+              <a:rPr lang="sk-SK" dirty="0"/>
+              <a:t>)</a:t>
+            </a:r>
+          </a:p>
+          <a:p>
+            <a:pPr lvl="1"/>
+            <a:r>
+              <a:rPr lang="sk-SK" dirty="0"/>
+              <a:t>Automaticky zachytáva iba úroveň </a:t>
+            </a:r>
+            <a:r>
+              <a:rPr lang="sk-SK" dirty="0" err="1"/>
+              <a:t>Error</a:t>
+            </a:r>
+            <a:r>
+              <a:rPr lang="sk-SK" dirty="0"/>
+              <a:t> a </a:t>
+            </a:r>
+            <a:r>
+              <a:rPr lang="sk-SK" dirty="0" err="1"/>
+              <a:t>Warning</a:t>
+            </a:r>
+            <a:endParaRPr lang="sk-SK" dirty="0"/>
           </a:p>
         </p:txBody>
       </p:sp>
     </p:spTree>
     <p:extLst>
       <p:ext uri="{BB962C8B-B14F-4D97-AF65-F5344CB8AC3E}">
-        <p14:creationId xmlns:p14="http://schemas.microsoft.com/office/powerpoint/2010/main" val="715584830"/>
+        <p14:creationId xmlns:p14="http://schemas.microsoft.com/office/powerpoint/2010/main" val="3958669310"/>
       </p:ext>
     </p:extLst>
   </p:cSld>
@@ -11311,7 +11826,7 @@
           <p:cNvPr id="2" name="Nadpis 1">
             <a:extLst>
               <a:ext uri="{FF2B5EF4-FFF2-40B4-BE49-F238E27FC236}">
-                <a16:creationId xmlns:a16="http://schemas.microsoft.com/office/drawing/2014/main" id="{F7732577-6BE1-458B-B7FC-2EDE7E3FFD20}"/>
+                <a16:creationId xmlns:a16="http://schemas.microsoft.com/office/drawing/2014/main" id="{B063FB63-66B0-4F35-BB84-60F904560DF1}"/>
               </a:ext>
             </a:extLst>
           </p:cNvPr>
@@ -11327,12 +11842,26 @@
           <a:bodyPr/>
           <a:lstStyle/>
           <a:p>
-            <a:pPr algn="l"/>
-            <a:r>
-              <a:rPr lang="sk-SK" dirty="0" err="1"/>
-              <a:t>Autoswap</a:t>
-            </a:r>
-            <a:endParaRPr lang="sk-SK" dirty="0"/>
+            <a:r>
+              <a:rPr lang="sk-SK" dirty="0"/>
+              <a:t>Nástroje na </a:t>
+            </a:r>
+            <a:r>
+              <a:rPr lang="en-US"/>
+              <a:t>s</a:t>
+            </a:r>
+            <a:r>
+              <a:rPr lang="sk-SK"/>
+              <a:t>právu </a:t>
+            </a:r>
+            <a:r>
+              <a:rPr lang="sk-SK" dirty="0" err="1"/>
+              <a:t>App</a:t>
+            </a:r>
+            <a:r>
+              <a:rPr lang="sk-SK" dirty="0"/>
+              <a:t> Service</a:t>
+            </a:r>
           </a:p>
         </p:txBody>
       </p:sp>
@@ -11341,7 +11870,7 @@
           <p:cNvPr id="3" name="Zástupný objekt pre obsah 2">
             <a:extLst>
               <a:ext uri="{FF2B5EF4-FFF2-40B4-BE49-F238E27FC236}">
-                <a16:creationId xmlns:a16="http://schemas.microsoft.com/office/drawing/2014/main" id="{98C7C161-563D-48EB-BAEC-3D298BD865A5}"/>
+                <a16:creationId xmlns:a16="http://schemas.microsoft.com/office/drawing/2014/main" id="{AC63D26A-FC66-4BBC-A161-29215792F04A}"/>
               </a:ext>
             </a:extLst>
           </p:cNvPr>
@@ -11357,25 +11886,60 @@
           <a:bodyPr/>
           <a:lstStyle/>
           <a:p>
-            <a:pPr algn="just"/>
-            <a:r>
-              <a:rPr lang="sk-SK" dirty="0"/>
-              <a:t>Ak nie je požadovaná kontrola pri swape, je možné nastaviť automatický swap medzi slotmi</a:t>
-            </a:r>
-          </a:p>
-          <a:p>
-            <a:pPr algn="just"/>
-            <a:r>
-              <a:rPr lang="sk-SK" dirty="0"/>
-              <a:t>Po dokončení nasadzovania do slotu sa slot automaticky </a:t>
-            </a:r>
-            <a:r>
-              <a:rPr lang="sk-SK" dirty="0" err="1"/>
-              <a:t>swapne</a:t>
-            </a:r>
-            <a:r>
-              <a:rPr lang="sk-SK" dirty="0"/>
-              <a:t> do produkcie</a:t>
+            <a:r>
+              <a:rPr lang="sk-SK" b="1" dirty="0"/>
+              <a:t>Konzola</a:t>
+            </a:r>
+            <a:r>
+              <a:rPr lang="sk-SK" dirty="0"/>
+              <a:t> – umožňuje spúšťať príkazy na VM, na ktorej beží aplikácia</a:t>
+            </a:r>
+          </a:p>
+          <a:p>
+            <a:r>
+              <a:rPr lang="sk-SK" b="1" dirty="0" err="1"/>
+              <a:t>App</a:t>
+            </a:r>
+            <a:r>
+              <a:rPr lang="sk-SK" b="1" dirty="0"/>
+              <a:t> Service Editor </a:t>
+            </a:r>
+            <a:r>
+              <a:rPr lang="sk-SK" dirty="0"/>
+              <a:t>– umožňuje prehliadanie a priame editovanie súborov</a:t>
+            </a:r>
+          </a:p>
+          <a:p>
+            <a:r>
+              <a:rPr lang="sk-SK" b="1" dirty="0" err="1"/>
+              <a:t>Kudu</a:t>
+            </a:r>
+            <a:r>
+              <a:rPr lang="sk-SK" dirty="0"/>
+              <a:t> – informácie o aplikácii, nástroje na správu</a:t>
+            </a:r>
+          </a:p>
+          <a:p>
+            <a:pPr lvl="1"/>
+            <a:r>
+              <a:rPr lang="sk-SK" dirty="0"/>
+              <a:t>https://</a:t>
+            </a:r>
+            <a:r>
+              <a:rPr lang="en-US" i="1" dirty="0"/>
+              <a:t>&lt;</a:t>
+            </a:r>
+            <a:r>
+              <a:rPr lang="en-US" i="1" dirty="0" err="1"/>
+              <a:t>app_name</a:t>
+            </a:r>
+            <a:r>
+              <a:rPr lang="en-US" i="1" dirty="0"/>
+              <a:t>&gt;</a:t>
+            </a:r>
+            <a:r>
+              <a:rPr lang="sk-SK" dirty="0"/>
+              <a:t>.scm.azurewebsites.net/</a:t>
             </a:r>
           </a:p>
         </p:txBody>
@@ -11383,7 +11947,7 @@
     </p:spTree>
     <p:extLst>
       <p:ext uri="{BB962C8B-B14F-4D97-AF65-F5344CB8AC3E}">
-        <p14:creationId xmlns:p14="http://schemas.microsoft.com/office/powerpoint/2010/main" val="226560908"/>
+        <p14:creationId xmlns:p14="http://schemas.microsoft.com/office/powerpoint/2010/main" val="3189682622"/>
       </p:ext>
     </p:extLst>
   </p:cSld>
@@ -11415,7 +11979,7 @@
           <p:cNvPr id="2" name="Nadpis 1">
             <a:extLst>
               <a:ext uri="{FF2B5EF4-FFF2-40B4-BE49-F238E27FC236}">
-                <a16:creationId xmlns:a16="http://schemas.microsoft.com/office/drawing/2014/main" id="{670E4544-D0C3-4E94-9ACA-36032D327D42}"/>
+                <a16:creationId xmlns:a16="http://schemas.microsoft.com/office/drawing/2014/main" id="{9BADA539-BB64-4333-AB8F-82BF8CD3D835}"/>
               </a:ext>
             </a:extLst>
           </p:cNvPr>
@@ -11434,7 +11998,7 @@
             <a:pPr algn="l"/>
             <a:r>
               <a:rPr lang="sk-SK" dirty="0" err="1"/>
-              <a:t>Custom</a:t>
+              <a:t>Cold</a:t>
             </a:r>
             <a:r>
               <a:rPr lang="sk-SK" dirty="0"/>
@@ -11442,7 +12006,7 @@
             </a:r>
             <a:r>
               <a:rPr lang="sk-SK" dirty="0" err="1"/>
-              <a:t>warm-up</a:t>
+              <a:t>start</a:t>
             </a:r>
             <a:endParaRPr lang="sk-SK" dirty="0"/>
           </a:p>
@@ -11453,7 +12017,7 @@
           <p:cNvPr id="3" name="Zástupný objekt pre obsah 2">
             <a:extLst>
               <a:ext uri="{FF2B5EF4-FFF2-40B4-BE49-F238E27FC236}">
-                <a16:creationId xmlns:a16="http://schemas.microsoft.com/office/drawing/2014/main" id="{D53081AA-2DEC-4963-BC50-47867F29F608}"/>
+                <a16:creationId xmlns:a16="http://schemas.microsoft.com/office/drawing/2014/main" id="{07D129DB-406D-447D-A784-E8C2FB15DFF3}"/>
               </a:ext>
             </a:extLst>
           </p:cNvPr>
@@ -11466,148 +12030,20 @@
         </p:nvSpPr>
         <p:spPr/>
         <p:txBody>
-          <a:bodyPr>
-            <a:normAutofit fontScale="85000" lnSpcReduction="10000"/>
-          </a:bodyPr>
+          <a:bodyPr/>
           <a:lstStyle/>
           <a:p>
             <a:r>
-              <a:rPr lang="sk-SK" dirty="0" err="1"/>
-              <a:t>App</a:t>
-            </a:r>
-            <a:r>
-              <a:rPr lang="sk-SK" dirty="0"/>
-              <a:t> Service umožňuje nadefinovať si vlastný </a:t>
-            </a:r>
-            <a:r>
-              <a:rPr lang="sk-SK" dirty="0" err="1"/>
-              <a:t>warm-up</a:t>
-            </a:r>
-            <a:r>
-              <a:rPr lang="sk-SK" dirty="0"/>
-              <a:t>. To je možné nastaviť 3 spôsobmi:</a:t>
-            </a:r>
-          </a:p>
-          <a:p>
-            <a:pPr lvl="1"/>
-            <a:r>
-              <a:rPr lang="sk-SK" dirty="0"/>
-              <a:t>Element </a:t>
-            </a:r>
-            <a:r>
-              <a:rPr lang="en-US" b="1" dirty="0">
-                <a:latin typeface="Consolas" panose="020B0609020204030204" pitchFamily="49" charset="0"/>
-              </a:rPr>
-              <a:t>&lt;</a:t>
-            </a:r>
-            <a:r>
-              <a:rPr lang="en-US" b="1" dirty="0" err="1">
-                <a:latin typeface="Consolas" panose="020B0609020204030204" pitchFamily="49" charset="0"/>
-              </a:rPr>
-              <a:t>applicationInitialization</a:t>
-            </a:r>
-            <a:r>
-              <a:rPr lang="en-US" b="1" dirty="0">
-                <a:latin typeface="Consolas" panose="020B0609020204030204" pitchFamily="49" charset="0"/>
-              </a:rPr>
-              <a:t>&gt;</a:t>
-            </a:r>
-            <a:r>
-              <a:rPr lang="en-US" dirty="0"/>
-              <a:t> </a:t>
-            </a:r>
-            <a:r>
-              <a:rPr lang="en-US" dirty="0" err="1"/>
-              <a:t>vo</a:t>
-            </a:r>
-            <a:r>
-              <a:rPr lang="en-US" dirty="0"/>
-              <a:t> </a:t>
-            </a:r>
-            <a:r>
-              <a:rPr lang="sk-SK" dirty="0" err="1"/>
-              <a:t>Web.config</a:t>
-            </a:r>
-            <a:r>
-              <a:rPr lang="en-US" dirty="0"/>
-              <a:t> (</a:t>
-            </a:r>
-            <a:r>
-              <a:rPr lang="en-US" dirty="0" err="1"/>
-              <a:t>spust</a:t>
-            </a:r>
-            <a:r>
-              <a:rPr lang="sk-SK" dirty="0"/>
-              <a:t>í sa pri každom štarte)</a:t>
-            </a:r>
-          </a:p>
-          <a:p>
-            <a:pPr marL="457200" lvl="1" indent="0">
-              <a:buNone/>
-            </a:pPr>
-            <a:endParaRPr lang="sk-SK" dirty="0"/>
-          </a:p>
-          <a:p>
-            <a:pPr marL="457200" lvl="1" indent="0">
-              <a:buNone/>
-            </a:pPr>
-            <a:endParaRPr lang="sk-SK" dirty="0"/>
-          </a:p>
-          <a:p>
-            <a:pPr lvl="1"/>
-            <a:r>
-              <a:rPr lang="sk-SK" dirty="0"/>
-              <a:t>Nastavenie </a:t>
-            </a:r>
-            <a:r>
-              <a:rPr lang="sk-SK" b="1" dirty="0">
-                <a:latin typeface="Consolas" panose="020B0609020204030204" pitchFamily="49" charset="0"/>
-              </a:rPr>
-              <a:t>WEBSITE_WARMUP_PATH </a:t>
-            </a:r>
-            <a:r>
-              <a:rPr lang="sk-SK" dirty="0"/>
-              <a:t>(spustí sa pri každom štarte)</a:t>
-            </a:r>
-            <a:r>
-              <a:rPr lang="en-US" dirty="0"/>
-              <a:t> – </a:t>
-            </a:r>
-            <a:r>
-              <a:rPr lang="sk-SK" dirty="0"/>
-              <a:t>Relatívna cesta k stránke, ktorá sa má </a:t>
-            </a:r>
-            <a:r>
-              <a:rPr lang="sk-SK" dirty="0" err="1"/>
-              <a:t>pingnúť</a:t>
-            </a:r>
-            <a:endParaRPr lang="sk-SK" dirty="0"/>
-          </a:p>
-          <a:p>
-            <a:pPr lvl="1"/>
-            <a:r>
-              <a:rPr lang="sk-SK" dirty="0"/>
-              <a:t>Nastavenia </a:t>
-            </a:r>
-            <a:r>
-              <a:rPr lang="sk-SK" b="1" dirty="0">
-                <a:latin typeface="Consolas" panose="020B0609020204030204" pitchFamily="49" charset="0"/>
-              </a:rPr>
-              <a:t>WEBSITE_SWAP_WARMUP_PING_PATH</a:t>
+              <a:rPr lang="sk-SK" b="1" dirty="0" err="1"/>
+              <a:t>Cold</a:t>
             </a:r>
             <a:r>
               <a:rPr lang="sk-SK" b="1" dirty="0"/>
               <a:t> </a:t>
             </a:r>
             <a:r>
-              <a:rPr lang="sk-SK" dirty="0"/>
-              <a:t>a </a:t>
-            </a:r>
-            <a:r>
-              <a:rPr lang="sk-SK" b="1" dirty="0">
-                <a:latin typeface="Consolas" panose="020B0609020204030204" pitchFamily="49" charset="0"/>
-              </a:rPr>
-              <a:t>WEBSITE_SWAP_WARMUP_PING_STATUSES</a:t>
+              <a:rPr lang="sk-SK" b="1" dirty="0" err="1"/>
+              <a:t>start</a:t>
             </a:r>
             <a:r>
               <a:rPr lang="sk-SK" b="1" dirty="0"/>
@@ -11615,140 +12051,77 @@
             </a:r>
             <a:r>
               <a:rPr lang="sk-SK" dirty="0"/>
-              <a:t>(spustí sa len pri swape)</a:t>
-            </a:r>
-            <a:r>
-              <a:rPr lang="en-US" dirty="0"/>
-              <a:t> – </a:t>
-            </a:r>
-            <a:r>
-              <a:rPr lang="sk-SK" dirty="0"/>
-              <a:t>Relatívna cesta k stránke a ktoré HTTP stavy sa požadujú za úspešné</a:t>
-            </a:r>
-          </a:p>
-        </p:txBody>
-      </p:sp>
-      <p:sp>
-        <p:nvSpPr>
-          <p:cNvPr id="4" name="BlokTextu 3">
-            <a:extLst>
-              <a:ext uri="{FF2B5EF4-FFF2-40B4-BE49-F238E27FC236}">
-                <a16:creationId xmlns:a16="http://schemas.microsoft.com/office/drawing/2014/main" id="{151655F1-E608-44DC-8FDA-24572A3AF7DD}"/>
-              </a:ext>
-            </a:extLst>
-          </p:cNvPr>
-          <p:cNvSpPr txBox="1"/>
-          <p:nvPr/>
-        </p:nvSpPr>
-        <p:spPr>
-          <a:xfrm>
-            <a:off x="2345093" y="3606285"/>
-            <a:ext cx="7464489" cy="738664"/>
-          </a:xfrm>
-          <a:prstGeom prst="rect">
-            <a:avLst/>
-          </a:prstGeom>
-          <a:solidFill>
-            <a:schemeClr val="bg1"/>
-          </a:solidFill>
-          <a:ln>
-            <a:solidFill>
-              <a:schemeClr val="tx1"/>
-            </a:solidFill>
-          </a:ln>
-        </p:spPr>
-        <p:txBody>
-          <a:bodyPr wrap="square" rtlCol="0">
-            <a:spAutoFit/>
-          </a:bodyPr>
-          <a:lstStyle/>
-          <a:p>
-            <a:r>
-              <a:rPr lang="en-GB" sz="1400" dirty="0">
-                <a:latin typeface="Consolas" panose="020B0609020204030204" pitchFamily="49" charset="0"/>
-              </a:rPr>
-              <a:t>&lt;</a:t>
-            </a:r>
-            <a:r>
-              <a:rPr lang="en-GB" sz="1400" dirty="0" err="1">
-                <a:latin typeface="Consolas" panose="020B0609020204030204" pitchFamily="49" charset="0"/>
-              </a:rPr>
-              <a:t>applicationInitialization</a:t>
-            </a:r>
-            <a:r>
-              <a:rPr lang="en-GB" sz="1400" dirty="0">
-                <a:latin typeface="Consolas" panose="020B0609020204030204" pitchFamily="49" charset="0"/>
-              </a:rPr>
-              <a:t>&gt;</a:t>
-            </a:r>
-            <a:endParaRPr lang="sk-SK" sz="1400" dirty="0">
-              <a:latin typeface="Consolas" panose="020B0609020204030204" pitchFamily="49" charset="0"/>
-            </a:endParaRPr>
-          </a:p>
-          <a:p>
-            <a:r>
-              <a:rPr lang="en-GB" sz="1400" dirty="0">
-                <a:latin typeface="Consolas" panose="020B0609020204030204" pitchFamily="49" charset="0"/>
-              </a:rPr>
-              <a:t>    &lt;add </a:t>
-            </a:r>
-            <a:r>
-              <a:rPr lang="en-GB" sz="1400" dirty="0" err="1">
-                <a:latin typeface="Consolas" panose="020B0609020204030204" pitchFamily="49" charset="0"/>
-              </a:rPr>
-              <a:t>initializationPage</a:t>
-            </a:r>
-            <a:r>
-              <a:rPr lang="en-GB" sz="1400" dirty="0">
-                <a:latin typeface="Consolas" panose="020B0609020204030204" pitchFamily="49" charset="0"/>
-              </a:rPr>
-              <a:t>="/" </a:t>
-            </a:r>
-            <a:r>
-              <a:rPr lang="en-GB" sz="1400" dirty="0" err="1">
-                <a:latin typeface="Consolas" panose="020B0609020204030204" pitchFamily="49" charset="0"/>
-              </a:rPr>
-              <a:t>hostName</a:t>
-            </a:r>
-            <a:r>
-              <a:rPr lang="en-GB" sz="1400" dirty="0">
-                <a:latin typeface="Consolas" panose="020B0609020204030204" pitchFamily="49" charset="0"/>
-              </a:rPr>
-              <a:t>="[app hostname]" /&gt;</a:t>
-            </a:r>
-            <a:endParaRPr lang="sk-SK" sz="1400" dirty="0">
-              <a:latin typeface="Consolas" panose="020B0609020204030204" pitchFamily="49" charset="0"/>
-            </a:endParaRPr>
-          </a:p>
-          <a:p>
-            <a:r>
-              <a:rPr lang="en-GB" sz="1400" dirty="0">
-                <a:latin typeface="Consolas" panose="020B0609020204030204" pitchFamily="49" charset="0"/>
-              </a:rPr>
-              <a:t>&lt;/</a:t>
-            </a:r>
-            <a:r>
-              <a:rPr lang="en-GB" sz="1400" dirty="0" err="1">
-                <a:latin typeface="Consolas" panose="020B0609020204030204" pitchFamily="49" charset="0"/>
-              </a:rPr>
-              <a:t>applicationInitialization</a:t>
-            </a:r>
-            <a:r>
-              <a:rPr lang="en-GB" sz="1400" dirty="0">
-                <a:latin typeface="Consolas" panose="020B0609020204030204" pitchFamily="49" charset="0"/>
-              </a:rPr>
-              <a:t>&gt;</a:t>
-            </a:r>
-            <a:endParaRPr lang="sk-SK" sz="1400" dirty="0">
-              <a:latin typeface="Consolas" panose="020B0609020204030204" pitchFamily="49" charset="0"/>
-            </a:endParaRPr>
+              <a:t>= počiatočné oneskorenie po nasadení aplikácie</a:t>
+            </a:r>
+          </a:p>
+          <a:p>
+            <a:r>
+              <a:rPr lang="sk-SK" dirty="0"/>
+              <a:t>Toto oneskorenie je možné riešiť viacerými spôsobmi:</a:t>
+            </a:r>
+          </a:p>
+          <a:p>
+            <a:pPr lvl="1"/>
+            <a:r>
+              <a:rPr lang="sk-SK" dirty="0" err="1"/>
+              <a:t>Deployment</a:t>
+            </a:r>
+            <a:r>
+              <a:rPr lang="sk-SK" dirty="0"/>
+              <a:t> </a:t>
+            </a:r>
+            <a:r>
+              <a:rPr lang="sk-SK" dirty="0" err="1"/>
+              <a:t>from</a:t>
+            </a:r>
+            <a:r>
+              <a:rPr lang="sk-SK" dirty="0"/>
+              <a:t> </a:t>
+            </a:r>
+            <a:r>
+              <a:rPr lang="sk-SK" dirty="0" err="1"/>
+              <a:t>package</a:t>
+            </a:r>
+            <a:endParaRPr lang="sk-SK" dirty="0"/>
+          </a:p>
+          <a:p>
+            <a:pPr lvl="1"/>
+            <a:r>
+              <a:rPr lang="sk-SK" dirty="0" err="1"/>
+              <a:t>Deployment</a:t>
+            </a:r>
+            <a:r>
+              <a:rPr lang="sk-SK" dirty="0"/>
+              <a:t> </a:t>
+            </a:r>
+            <a:r>
+              <a:rPr lang="sk-SK" dirty="0" err="1"/>
+              <a:t>slots</a:t>
+            </a:r>
+            <a:endParaRPr lang="sk-SK" dirty="0"/>
+          </a:p>
+          <a:p>
+            <a:pPr lvl="1"/>
+            <a:r>
+              <a:rPr lang="sk-SK" dirty="0" err="1"/>
+              <a:t>Custom</a:t>
+            </a:r>
+            <a:r>
+              <a:rPr lang="sk-SK" dirty="0"/>
+              <a:t> </a:t>
+            </a:r>
+            <a:r>
+              <a:rPr lang="sk-SK" dirty="0" err="1"/>
+              <a:t>warm-up</a:t>
+            </a:r>
+            <a:endParaRPr lang="sk-SK" dirty="0"/>
           </a:p>
         </p:txBody>
       </p:sp>
     </p:spTree>
     <p:extLst>
       <p:ext uri="{BB962C8B-B14F-4D97-AF65-F5344CB8AC3E}">
-        <p14:creationId xmlns:p14="http://schemas.microsoft.com/office/powerpoint/2010/main" val="733103103"/>
+        <p14:creationId xmlns:p14="http://schemas.microsoft.com/office/powerpoint/2010/main" val="943498788"/>
       </p:ext>
     </p:extLst>
   </p:cSld>
@@ -11780,7 +12153,7 @@
           <p:cNvPr id="2" name="Nadpis 1">
             <a:extLst>
               <a:ext uri="{FF2B5EF4-FFF2-40B4-BE49-F238E27FC236}">
-                <a16:creationId xmlns:a16="http://schemas.microsoft.com/office/drawing/2014/main" id="{85406392-2376-4834-A84A-0EE8EC9D8A18}"/>
+                <a16:creationId xmlns:a16="http://schemas.microsoft.com/office/drawing/2014/main" id="{B23DCE44-5D3F-4D45-8C88-9181548F0053}"/>
               </a:ext>
             </a:extLst>
           </p:cNvPr>
@@ -11799,7 +12172,7 @@
             <a:pPr algn="l"/>
             <a:r>
               <a:rPr lang="sk-SK" dirty="0" err="1"/>
-              <a:t>Health</a:t>
+              <a:t>Deployment</a:t>
             </a:r>
             <a:r>
               <a:rPr lang="sk-SK" dirty="0"/>
@@ -11807,7 +12180,15 @@
             </a:r>
             <a:r>
               <a:rPr lang="sk-SK" dirty="0" err="1"/>
-              <a:t>check</a:t>
+              <a:t>from</a:t>
+            </a:r>
+            <a:r>
+              <a:rPr lang="sk-SK" dirty="0"/>
+              <a:t> </a:t>
+            </a:r>
+            <a:r>
+              <a:rPr lang="sk-SK" dirty="0" err="1"/>
+              <a:t>package</a:t>
             </a:r>
             <a:endParaRPr lang="sk-SK" dirty="0"/>
           </a:p>
@@ -11818,7 +12199,7 @@
           <p:cNvPr id="3" name="Zástupný objekt pre obsah 2">
             <a:extLst>
               <a:ext uri="{FF2B5EF4-FFF2-40B4-BE49-F238E27FC236}">
-                <a16:creationId xmlns:a16="http://schemas.microsoft.com/office/drawing/2014/main" id="{FADFAE28-33A4-4497-ABB8-090318F90EFC}"/>
+                <a16:creationId xmlns:a16="http://schemas.microsoft.com/office/drawing/2014/main" id="{DA05233D-627E-4752-84E8-07C833E637E4}"/>
               </a:ext>
             </a:extLst>
           </p:cNvPr>
@@ -11832,110 +12213,72 @@
         <p:spPr/>
         <p:txBody>
           <a:bodyPr>
-            <a:normAutofit fontScale="92500" lnSpcReduction="10000"/>
+            <a:normAutofit fontScale="85000" lnSpcReduction="20000"/>
           </a:bodyPr>
           <a:lstStyle/>
           <a:p>
-            <a:pPr algn="just"/>
-            <a:r>
-              <a:rPr lang="sk-SK" dirty="0" err="1"/>
-              <a:t>Azure</a:t>
-            </a:r>
-            <a:r>
-              <a:rPr lang="sk-SK" dirty="0"/>
-              <a:t> umožňuje nastaviť pre </a:t>
-            </a:r>
-            <a:r>
-              <a:rPr lang="sk-SK" dirty="0" err="1"/>
-              <a:t>App</a:t>
-            </a:r>
-            <a:r>
-              <a:rPr lang="sk-SK" dirty="0"/>
-              <a:t> Service </a:t>
-            </a:r>
-            <a:r>
-              <a:rPr lang="sk-SK" dirty="0" err="1"/>
-              <a:t>health</a:t>
-            </a:r>
-            <a:r>
-              <a:rPr lang="sk-SK" dirty="0"/>
-              <a:t> </a:t>
-            </a:r>
-            <a:r>
-              <a:rPr lang="sk-SK" dirty="0" err="1"/>
-              <a:t>check</a:t>
-            </a:r>
-            <a:r>
-              <a:rPr lang="sk-SK" dirty="0"/>
-              <a:t> (= PING na konkrétnu podstránku)</a:t>
-            </a:r>
-          </a:p>
-          <a:p>
-            <a:pPr algn="just"/>
-            <a:r>
-              <a:rPr lang="sk-SK" dirty="0"/>
-              <a:t>V prípade „nezdravej“ inštancie ju </a:t>
-            </a:r>
-            <a:r>
-              <a:rPr lang="sk-SK" dirty="0" err="1"/>
-              <a:t>App</a:t>
-            </a:r>
-            <a:r>
-              <a:rPr lang="sk-SK" dirty="0"/>
-              <a:t> Service odstráni z </a:t>
-            </a:r>
-            <a:r>
-              <a:rPr lang="sk-SK" dirty="0" err="1"/>
-              <a:t>load</a:t>
-            </a:r>
-            <a:r>
-              <a:rPr lang="sk-SK" dirty="0"/>
-              <a:t> </a:t>
-            </a:r>
-            <a:r>
-              <a:rPr lang="sk-SK" dirty="0" err="1"/>
-              <a:t>balancera</a:t>
-            </a:r>
-            <a:endParaRPr lang="sk-SK" dirty="0"/>
-          </a:p>
-          <a:p>
-            <a:pPr algn="just"/>
-            <a:r>
-              <a:rPr lang="sk-SK" dirty="0"/>
-              <a:t>Pri pretrvávajúcich problémov </a:t>
-            </a:r>
-            <a:r>
-              <a:rPr lang="sk-SK" dirty="0" err="1"/>
-              <a:t>App</a:t>
-            </a:r>
-            <a:r>
-              <a:rPr lang="sk-SK" dirty="0"/>
-              <a:t> Service inštanciu reštartuje</a:t>
-            </a:r>
-          </a:p>
-          <a:p>
-            <a:pPr algn="just"/>
-            <a:r>
-              <a:rPr lang="sk-SK" b="1" dirty="0">
+            <a:r>
+              <a:rPr lang="sk-SK" dirty="0"/>
+              <a:t>Aplikácia sa nasadí ako balíček (momentálne je </a:t>
+            </a:r>
+            <a:r>
+              <a:rPr lang="sk-SK"/>
+              <a:t>podporovaný iba ZIP</a:t>
+            </a:r>
+            <a:r>
+              <a:rPr lang="sk-SK" dirty="0"/>
+              <a:t>)</a:t>
+            </a:r>
+            <a:endParaRPr lang="en-US" dirty="0"/>
+          </a:p>
+          <a:p>
+            <a:r>
+              <a:rPr lang="en-US" dirty="0"/>
+              <a:t>S</a:t>
+            </a:r>
+            <a:r>
+              <a:rPr lang="sk-SK" dirty="0"/>
+              <a:t>úbory sa nekopírujú do virtuálneho priečinka, ale samotný balíček slúži ako </a:t>
+            </a:r>
+            <a:r>
+              <a:rPr lang="sk-SK" dirty="0" err="1"/>
+              <a:t>read-only</a:t>
+            </a:r>
+            <a:r>
+              <a:rPr lang="sk-SK" dirty="0"/>
+              <a:t> virtuálny priečinok</a:t>
+            </a:r>
+          </a:p>
+          <a:p>
+            <a:r>
+              <a:rPr lang="sk-SK" dirty="0"/>
+              <a:t>Potrebné nastaviť </a:t>
+            </a:r>
+            <a:r>
+              <a:rPr lang="en-US" b="1" dirty="0">
                 <a:latin typeface="Consolas" panose="020B0609020204030204" pitchFamily="49" charset="0"/>
               </a:rPr>
-              <a:t>WEBSITE_HEALTHCHECK_MAXPINGFAILURES </a:t>
-            </a:r>
-            <a:r>
-              <a:rPr lang="sk-SK" dirty="0"/>
-              <a:t>– počet neúspešných PING-</a:t>
-            </a:r>
-            <a:r>
-              <a:rPr lang="sk-SK" dirty="0" err="1"/>
-              <a:t>ov</a:t>
-            </a:r>
-            <a:r>
-              <a:rPr lang="sk-SK" dirty="0"/>
-              <a:t>, po ktorých sa inštancia odstráni z </a:t>
-            </a:r>
-            <a:r>
-              <a:rPr lang="sk-SK" dirty="0" err="1"/>
-              <a:t>load</a:t>
+              <a:t>WEBSITE_RUN_FROM_PACKAGE=1</a:t>
+            </a:r>
+            <a:endParaRPr lang="sk-SK" b="1" dirty="0">
+              <a:latin typeface="Consolas" panose="020B0609020204030204" pitchFamily="49" charset="0"/>
+            </a:endParaRPr>
+          </a:p>
+          <a:p>
+            <a:r>
+              <a:rPr lang="sk-SK" dirty="0"/>
+              <a:t>Nasadzovanie z balíčku má viacero výhod:</a:t>
+            </a:r>
+          </a:p>
+          <a:p>
+            <a:pPr lvl="1"/>
+            <a:r>
+              <a:rPr lang="sk-SK" dirty="0"/>
+              <a:t>Zníženie oneskorenia pri </a:t>
+            </a:r>
+            <a:r>
+              <a:rPr lang="sk-SK" dirty="0" err="1"/>
+              <a:t>cold</a:t>
             </a:r>
             <a:r>
               <a:rPr lang="sk-SK" dirty="0"/>
@@ -11943,24 +12286,32 @@
             </a:r>
             <a:r>
               <a:rPr lang="sk-SK" dirty="0" err="1"/>
-              <a:t>balancera</a:t>
-            </a:r>
-            <a:r>
-              <a:rPr lang="sk-SK" dirty="0"/>
-              <a:t> (2 – 10)</a:t>
-            </a:r>
-          </a:p>
-          <a:p>
-            <a:pPr algn="just"/>
-            <a:r>
-              <a:rPr lang="sk-SK" b="1" dirty="0">
-                <a:latin typeface="Consolas" panose="020B0609020204030204" pitchFamily="49" charset="0"/>
-              </a:rPr>
-              <a:t>WEBSITE_HEALTHCHECK_MAXUNHEALTHYWORKERPERCENT </a:t>
-            </a:r>
-            <a:r>
-              <a:rPr lang="sk-SK" dirty="0"/>
-              <a:t>– percento inštancií, ktoré môžu byť odstránené (default je 50%)</a:t>
+              <a:t>start</a:t>
+            </a:r>
+            <a:r>
+              <a:rPr lang="sk-SK" dirty="0"/>
+              <a:t>-e</a:t>
+            </a:r>
+          </a:p>
+          <a:p>
+            <a:pPr lvl="1"/>
+            <a:r>
+              <a:rPr lang="sk-SK" dirty="0"/>
+              <a:t>Vždy bude bežať iba plne nasadená aplikácia</a:t>
+            </a:r>
+          </a:p>
+          <a:p>
+            <a:pPr lvl="1"/>
+            <a:r>
+              <a:rPr lang="sk-SK" dirty="0"/>
+              <a:t>Odstráni problém so zamknutými súbormi pri nasadzovaní</a:t>
+            </a:r>
+          </a:p>
+          <a:p>
+            <a:pPr lvl="1"/>
+            <a:r>
+              <a:rPr lang="sk-SK" dirty="0"/>
+              <a:t>Zlepšuje výkon nasadzovania cez ARM</a:t>
             </a:r>
           </a:p>
         </p:txBody>
@@ -11968,7 +12319,7 @@
     </p:spTree>
     <p:extLst>
       <p:ext uri="{BB962C8B-B14F-4D97-AF65-F5344CB8AC3E}">
-        <p14:creationId xmlns:p14="http://schemas.microsoft.com/office/powerpoint/2010/main" val="3771691769"/>
+        <p14:creationId xmlns:p14="http://schemas.microsoft.com/office/powerpoint/2010/main" val="2312443424"/>
       </p:ext>
     </p:extLst>
   </p:cSld>
@@ -12000,7 +12351,7 @@
           <p:cNvPr id="2" name="Nadpis 1">
             <a:extLst>
               <a:ext uri="{FF2B5EF4-FFF2-40B4-BE49-F238E27FC236}">
-                <a16:creationId xmlns:a16="http://schemas.microsoft.com/office/drawing/2014/main" id="{77BE2A86-D51D-400C-9E08-D21235A26E83}"/>
+                <a16:creationId xmlns:a16="http://schemas.microsoft.com/office/drawing/2014/main" id="{9927A4B6-700F-4E15-BA5A-B7B7B2604A57}"/>
               </a:ext>
             </a:extLst>
           </p:cNvPr>
@@ -12018,13 +12369,18 @@
           <a:p>
             <a:pPr algn="l"/>
             <a:r>
-              <a:rPr lang="en-US" dirty="0" err="1"/>
-              <a:t>Logovanie</a:t>
-            </a:r>
-            <a:r>
-              <a:rPr lang="sk-SK" dirty="0"/>
-              <a:t> z aplikácie</a:t>
-            </a:r>
+              <a:rPr lang="sk-SK" dirty="0" err="1"/>
+              <a:t>Deployment</a:t>
+            </a:r>
+            <a:r>
+              <a:rPr lang="sk-SK" dirty="0"/>
+              <a:t> </a:t>
+            </a:r>
+            <a:r>
+              <a:rPr lang="sk-SK" dirty="0" err="1"/>
+              <a:t>slots</a:t>
+            </a:r>
+            <a:endParaRPr lang="sk-SK" dirty="0"/>
           </a:p>
         </p:txBody>
       </p:sp>
@@ -12033,7 +12389,7 @@
           <p:cNvPr id="3" name="Zástupný objekt pre obsah 2">
             <a:extLst>
               <a:ext uri="{FF2B5EF4-FFF2-40B4-BE49-F238E27FC236}">
-                <a16:creationId xmlns:a16="http://schemas.microsoft.com/office/drawing/2014/main" id="{294F7E87-7A4D-433F-962A-8318CE7EBE71}"/>
+                <a16:creationId xmlns:a16="http://schemas.microsoft.com/office/drawing/2014/main" id="{3B486ED6-6178-40C9-A7F1-270A7DB3ADE1}"/>
               </a:ext>
             </a:extLst>
           </p:cNvPr>
@@ -12050,188 +12406,68 @@
           <a:lstStyle/>
           <a:p>
             <a:r>
-              <a:rPr lang="sk-SK" dirty="0"/>
-              <a:t>ASP.NET – statická trieda </a:t>
-            </a:r>
-            <a:r>
-              <a:rPr lang="en-US" b="1" dirty="0" err="1">
-                <a:latin typeface="Consolas" panose="020B0609020204030204" pitchFamily="49" charset="0"/>
-              </a:rPr>
-              <a:t>System.Diagnostics.Trace</a:t>
-            </a:r>
-            <a:endParaRPr lang="sk-SK" b="1" dirty="0">
-              <a:latin typeface="Consolas" panose="020B0609020204030204" pitchFamily="49" charset="0"/>
-            </a:endParaRPr>
-          </a:p>
-          <a:p>
-            <a:pPr lvl="1"/>
-            <a:r>
-              <a:rPr lang="sk-SK" dirty="0" err="1">
-                <a:latin typeface="Consolas" panose="020B0609020204030204" pitchFamily="49" charset="0"/>
-              </a:rPr>
-              <a:t>TraceError</a:t>
-            </a:r>
-            <a:r>
-              <a:rPr lang="sk-SK" dirty="0"/>
-              <a:t>, </a:t>
-            </a:r>
-            <a:r>
-              <a:rPr lang="sk-SK" dirty="0" err="1">
-                <a:latin typeface="Consolas" panose="020B0609020204030204" pitchFamily="49" charset="0"/>
-              </a:rPr>
-              <a:t>TraceWarning</a:t>
-            </a:r>
-            <a:r>
-              <a:rPr lang="sk-SK" dirty="0"/>
-              <a:t>, </a:t>
-            </a:r>
-            <a:r>
-              <a:rPr lang="sk-SK" dirty="0" err="1">
-                <a:latin typeface="Consolas" panose="020B0609020204030204" pitchFamily="49" charset="0"/>
-              </a:rPr>
-              <a:t>TraceInformation</a:t>
-            </a:r>
-            <a:r>
-              <a:rPr lang="sk-SK" dirty="0"/>
-              <a:t>, </a:t>
-            </a:r>
-            <a:r>
-              <a:rPr lang="sk-SK" dirty="0" err="1">
-                <a:latin typeface="Consolas" panose="020B0609020204030204" pitchFamily="49" charset="0"/>
-              </a:rPr>
-              <a:t>TraceLine</a:t>
-            </a:r>
-            <a:r>
-              <a:rPr lang="sk-SK" dirty="0">
-                <a:latin typeface="Consolas" panose="020B0609020204030204" pitchFamily="49" charset="0"/>
-              </a:rPr>
-              <a:t> </a:t>
-            </a:r>
-            <a:r>
-              <a:rPr lang="sk-SK" dirty="0"/>
-              <a:t>(= </a:t>
-            </a:r>
-            <a:r>
-              <a:rPr lang="sk-SK" dirty="0" err="1"/>
-              <a:t>verbose</a:t>
-            </a:r>
-            <a:r>
-              <a:rPr lang="sk-SK" dirty="0"/>
-              <a:t>)</a:t>
-            </a:r>
-          </a:p>
-          <a:p>
-            <a:r>
-              <a:rPr lang="sk-SK" dirty="0"/>
-              <a:t>ASP.NET </a:t>
-            </a:r>
-            <a:r>
-              <a:rPr lang="sk-SK" dirty="0" err="1"/>
-              <a:t>Core</a:t>
-            </a:r>
-            <a:r>
-              <a:rPr lang="sk-SK" dirty="0"/>
-              <a:t> – </a:t>
-            </a:r>
-            <a:r>
-              <a:rPr lang="sk-SK" dirty="0" err="1"/>
-              <a:t>logger</a:t>
-            </a:r>
-            <a:r>
-              <a:rPr lang="sk-SK" dirty="0"/>
-              <a:t> získaný z </a:t>
-            </a:r>
-            <a:r>
-              <a:rPr lang="sk-SK" dirty="0" err="1"/>
-              <a:t>factory</a:t>
-            </a:r>
-            <a:endParaRPr lang="sk-SK" dirty="0"/>
-          </a:p>
-          <a:p>
-            <a:pPr lvl="1"/>
-            <a:r>
-              <a:rPr lang="sk-SK" dirty="0" err="1">
-                <a:latin typeface="Consolas" panose="020B0609020204030204" pitchFamily="49" charset="0"/>
-              </a:rPr>
-              <a:t>LogCritical</a:t>
-            </a:r>
-            <a:r>
-              <a:rPr lang="sk-SK" dirty="0"/>
-              <a:t>, </a:t>
-            </a:r>
-            <a:r>
-              <a:rPr lang="sk-SK" dirty="0" err="1">
-                <a:latin typeface="Consolas" panose="020B0609020204030204" pitchFamily="49" charset="0"/>
-              </a:rPr>
-              <a:t>LogError</a:t>
-            </a:r>
-            <a:r>
-              <a:rPr lang="sk-SK" dirty="0"/>
-              <a:t>, </a:t>
-            </a:r>
-            <a:r>
-              <a:rPr lang="sk-SK" dirty="0" err="1">
-                <a:latin typeface="Consolas" panose="020B0609020204030204" pitchFamily="49" charset="0"/>
-              </a:rPr>
-              <a:t>LogWarning</a:t>
-            </a:r>
-            <a:r>
-              <a:rPr lang="sk-SK" dirty="0"/>
-              <a:t>, </a:t>
-            </a:r>
-            <a:r>
-              <a:rPr lang="sk-SK" dirty="0" err="1">
-                <a:latin typeface="Consolas" panose="020B0609020204030204" pitchFamily="49" charset="0"/>
-              </a:rPr>
-              <a:t>LogInformation</a:t>
-            </a:r>
-            <a:r>
-              <a:rPr lang="sk-SK" dirty="0"/>
-              <a:t>, </a:t>
-            </a:r>
-            <a:r>
-              <a:rPr lang="sk-SK" dirty="0" err="1">
-                <a:latin typeface="Consolas" panose="020B0609020204030204" pitchFamily="49" charset="0"/>
-              </a:rPr>
-              <a:t>LogDebug</a:t>
-            </a:r>
-            <a:r>
-              <a:rPr lang="sk-SK" dirty="0"/>
-              <a:t>, </a:t>
-            </a:r>
-            <a:r>
-              <a:rPr lang="sk-SK" dirty="0" err="1">
-                <a:latin typeface="Consolas" panose="020B0609020204030204" pitchFamily="49" charset="0"/>
-              </a:rPr>
-              <a:t>LogTrace</a:t>
-            </a:r>
-            <a:endParaRPr lang="sk-SK" dirty="0">
-              <a:latin typeface="Consolas" panose="020B0609020204030204" pitchFamily="49" charset="0"/>
-            </a:endParaRPr>
-          </a:p>
-          <a:p>
-            <a:r>
-              <a:rPr lang="sk-SK" dirty="0"/>
-              <a:t>Node.js</a:t>
-            </a:r>
-          </a:p>
-          <a:p>
-            <a:pPr lvl="1"/>
-            <a:r>
-              <a:rPr lang="sk-SK" dirty="0" err="1">
-                <a:latin typeface="Consolas" panose="020B0609020204030204" pitchFamily="49" charset="0"/>
-              </a:rPr>
-              <a:t>console.error</a:t>
-            </a:r>
-            <a:r>
-              <a:rPr lang="sk-SK" dirty="0"/>
-              <a:t>, </a:t>
-            </a:r>
-            <a:r>
-              <a:rPr lang="sk-SK" dirty="0">
-                <a:latin typeface="Consolas" panose="020B0609020204030204" pitchFamily="49" charset="0"/>
-              </a:rPr>
-              <a:t>console.log</a:t>
+              <a:rPr lang="sk-SK" dirty="0" err="1"/>
+              <a:t>Deployment</a:t>
+            </a:r>
+            <a:r>
+              <a:rPr lang="sk-SK" dirty="0"/>
+              <a:t> slot = nasadenie aplikácie v rámci </a:t>
+            </a:r>
+            <a:r>
+              <a:rPr lang="sk-SK" dirty="0" err="1"/>
+              <a:t>App</a:t>
+            </a:r>
+            <a:r>
+              <a:rPr lang="sk-SK" dirty="0"/>
+              <a:t> Service</a:t>
+            </a:r>
+          </a:p>
+          <a:p>
+            <a:r>
+              <a:rPr lang="sk-SK" dirty="0"/>
+              <a:t>Každý slot sa berie ako osobitná inštancia aplikácie a má vlastnú URL</a:t>
+            </a:r>
+          </a:p>
+          <a:p>
+            <a:r>
+              <a:rPr lang="sk-SK" dirty="0"/>
+              <a:t>Slot používa rovnaký </a:t>
+            </a:r>
+            <a:r>
+              <a:rPr lang="sk-SK" dirty="0" err="1"/>
+              <a:t>App</a:t>
+            </a:r>
+            <a:r>
+              <a:rPr lang="sk-SK" dirty="0"/>
+              <a:t> Service </a:t>
+            </a:r>
+            <a:r>
+              <a:rPr lang="sk-SK" dirty="0" err="1"/>
+              <a:t>Plan</a:t>
+            </a:r>
+            <a:r>
+              <a:rPr lang="sk-SK" dirty="0"/>
+              <a:t> (rovnaké prostriedky)</a:t>
+            </a:r>
+          </a:p>
+          <a:p>
+            <a:r>
+              <a:rPr lang="sk-SK" dirty="0"/>
+              <a:t>Pri vytváraní slotu je možné skopírovať nastavenia, ale nie obsah</a:t>
+            </a:r>
+          </a:p>
+          <a:p>
+            <a:r>
+              <a:rPr lang="sk-SK" dirty="0"/>
+              <a:t>Standard: max. 5 slotov, Premium a </a:t>
+            </a:r>
+            <a:r>
+              <a:rPr lang="sk-SK" dirty="0" err="1"/>
+              <a:t>Isolated</a:t>
+            </a:r>
+            <a:r>
+              <a:rPr lang="sk-SK" dirty="0"/>
+              <a:t>: max. 20 slotov</a:t>
             </a:r>
           </a:p>
         </p:txBody>
@@ -12239,7 +12475,7 @@
     </p:spTree>
     <p:extLst>
       <p:ext uri="{BB962C8B-B14F-4D97-AF65-F5344CB8AC3E}">
-        <p14:creationId xmlns:p14="http://schemas.microsoft.com/office/powerpoint/2010/main" val="1889921255"/>
+        <p14:creationId xmlns:p14="http://schemas.microsoft.com/office/powerpoint/2010/main" val="1616030742"/>
       </p:ext>
     </p:extLst>
   </p:cSld>
@@ -12271,7 +12507,7 @@
           <p:cNvPr id="2" name="Nadpis 1">
             <a:extLst>
               <a:ext uri="{FF2B5EF4-FFF2-40B4-BE49-F238E27FC236}">
-                <a16:creationId xmlns:a16="http://schemas.microsoft.com/office/drawing/2014/main" id="{673A57DB-BA27-4166-88E3-B31A8ED166C3}"/>
+                <a16:creationId xmlns:a16="http://schemas.microsoft.com/office/drawing/2014/main" id="{BDBC5F6B-AD71-4891-8B65-99ED925F08DF}"/>
               </a:ext>
             </a:extLst>
           </p:cNvPr>
@@ -12289,8 +12525,20 @@
           <a:p>
             <a:pPr algn="l"/>
             <a:r>
-              <a:rPr lang="sk-SK" dirty="0"/>
-              <a:t>Logovanie - Windows</a:t>
+              <a:rPr lang="sk-SK" dirty="0" err="1"/>
+              <a:t>Deployment</a:t>
+            </a:r>
+            <a:r>
+              <a:rPr lang="sk-SK" dirty="0"/>
+              <a:t> </a:t>
+            </a:r>
+            <a:r>
+              <a:rPr lang="sk-SK" dirty="0" err="1"/>
+              <a:t>slots</a:t>
+            </a:r>
+            <a:r>
+              <a:rPr lang="sk-SK" dirty="0"/>
+              <a:t> - využitie</a:t>
             </a:r>
           </a:p>
         </p:txBody>
@@ -12300,7 +12548,7 @@
           <p:cNvPr id="3" name="Zástupný objekt pre obsah 2">
             <a:extLst>
               <a:ext uri="{FF2B5EF4-FFF2-40B4-BE49-F238E27FC236}">
-                <a16:creationId xmlns:a16="http://schemas.microsoft.com/office/drawing/2014/main" id="{B90C3C0A-5DD5-411B-BDB0-21C7762F3A23}"/>
+                <a16:creationId xmlns:a16="http://schemas.microsoft.com/office/drawing/2014/main" id="{DE41F465-5672-4D87-B895-422EE58A864C}"/>
               </a:ext>
             </a:extLst>
           </p:cNvPr>
@@ -12313,182 +12561,40 @@
         </p:nvSpPr>
         <p:spPr/>
         <p:txBody>
-          <a:bodyPr>
-            <a:normAutofit fontScale="85000" lnSpcReduction="10000"/>
-          </a:bodyPr>
+          <a:bodyPr/>
           <a:lstStyle/>
           <a:p>
-            <a:pPr algn="just"/>
-            <a:r>
-              <a:rPr lang="sk-SK" b="1" dirty="0" err="1"/>
-              <a:t>Application</a:t>
-            </a:r>
-            <a:r>
-              <a:rPr lang="sk-SK" b="1" dirty="0"/>
-              <a:t> </a:t>
-            </a:r>
-            <a:r>
-              <a:rPr lang="sk-SK" b="1" dirty="0" err="1"/>
-              <a:t>logging</a:t>
-            </a:r>
-            <a:r>
-              <a:rPr lang="sk-SK" b="1" dirty="0"/>
-              <a:t> </a:t>
-            </a:r>
-            <a:r>
-              <a:rPr lang="sk-SK" dirty="0"/>
-              <a:t>(s voľbou úrovne) – logy z aplikácie</a:t>
-            </a:r>
-          </a:p>
-          <a:p>
-            <a:pPr lvl="1" algn="just"/>
-            <a:r>
-              <a:rPr lang="sk-SK" dirty="0" err="1"/>
-              <a:t>Filesystem</a:t>
-            </a:r>
-            <a:r>
-              <a:rPr lang="sk-SK" dirty="0"/>
-              <a:t> – logy sa ukladajú na virtuálny disk patriaci k aplikácii, odporúča sa ako dočasné riešenie - automaticky sa vypne po 12 hodinách</a:t>
-            </a:r>
-          </a:p>
-          <a:p>
-            <a:pPr lvl="1" algn="just"/>
-            <a:r>
-              <a:rPr lang="sk-SK" dirty="0" err="1"/>
-              <a:t>Blob</a:t>
-            </a:r>
-            <a:r>
-              <a:rPr lang="sk-SK" dirty="0"/>
-              <a:t> – logy sa ukladajú do </a:t>
-            </a:r>
-            <a:r>
-              <a:rPr lang="sk-SK" dirty="0" err="1"/>
-              <a:t>Azure</a:t>
-            </a:r>
-            <a:r>
-              <a:rPr lang="sk-SK" dirty="0"/>
-              <a:t> </a:t>
-            </a:r>
-            <a:r>
-              <a:rPr lang="sk-SK" dirty="0" err="1"/>
-              <a:t>Storage</a:t>
-            </a:r>
-            <a:r>
-              <a:rPr lang="sk-SK" dirty="0"/>
-              <a:t>, je možné nastaviť, koľko sa majú uchovávať</a:t>
-            </a:r>
-          </a:p>
-          <a:p>
-            <a:pPr algn="just"/>
-            <a:r>
-              <a:rPr lang="sk-SK" b="1" dirty="0"/>
-              <a:t>Web server </a:t>
-            </a:r>
-            <a:r>
-              <a:rPr lang="sk-SK" b="1" dirty="0" err="1"/>
-              <a:t>logging</a:t>
-            </a:r>
-            <a:r>
-              <a:rPr lang="sk-SK" b="1" dirty="0"/>
-              <a:t> </a:t>
-            </a:r>
-            <a:r>
-              <a:rPr lang="sk-SK" dirty="0"/>
-              <a:t>– neupravené dáta o všetkých HTTP dotazoch na server</a:t>
-            </a:r>
-          </a:p>
-          <a:p>
-            <a:pPr algn="just"/>
-            <a:r>
-              <a:rPr lang="sk-SK" b="1" dirty="0" err="1"/>
-              <a:t>Detailed</a:t>
-            </a:r>
-            <a:r>
-              <a:rPr lang="sk-SK" b="1" dirty="0"/>
-              <a:t> </a:t>
-            </a:r>
-            <a:r>
-              <a:rPr lang="sk-SK" b="1" dirty="0" err="1"/>
-              <a:t>error</a:t>
-            </a:r>
-            <a:r>
-              <a:rPr lang="sk-SK" b="1" dirty="0"/>
-              <a:t> </a:t>
-            </a:r>
-            <a:r>
-              <a:rPr lang="sk-SK" b="1" dirty="0" err="1"/>
-              <a:t>messages</a:t>
-            </a:r>
-            <a:r>
-              <a:rPr lang="sk-SK" b="1" dirty="0"/>
-              <a:t> </a:t>
-            </a:r>
-            <a:r>
-              <a:rPr lang="sk-SK" dirty="0"/>
-              <a:t>– kópie chybových .</a:t>
-            </a:r>
-            <a:r>
-              <a:rPr lang="sk-SK" dirty="0" err="1"/>
-              <a:t>htm</a:t>
-            </a:r>
-            <a:r>
-              <a:rPr lang="sk-SK" dirty="0"/>
-              <a:t> stránok, ktoré sa zobrazili klientovi</a:t>
-            </a:r>
-          </a:p>
-          <a:p>
-            <a:pPr algn="just"/>
-            <a:r>
-              <a:rPr lang="sk-SK" b="1" dirty="0" err="1"/>
-              <a:t>Failed</a:t>
-            </a:r>
-            <a:r>
-              <a:rPr lang="sk-SK" b="1" dirty="0"/>
-              <a:t> </a:t>
-            </a:r>
-            <a:r>
-              <a:rPr lang="sk-SK" b="1" dirty="0" err="1"/>
-              <a:t>request</a:t>
-            </a:r>
-            <a:r>
-              <a:rPr lang="sk-SK" b="1" dirty="0"/>
-              <a:t> </a:t>
-            </a:r>
-            <a:r>
-              <a:rPr lang="sk-SK" b="1" dirty="0" err="1"/>
-              <a:t>tracing</a:t>
-            </a:r>
-            <a:r>
-              <a:rPr lang="sk-SK" dirty="0"/>
-              <a:t> – detailné informácie o neúspešných dotazoch</a:t>
-            </a:r>
-          </a:p>
-          <a:p>
-            <a:pPr algn="just"/>
-            <a:r>
-              <a:rPr lang="sk-SK" b="1" dirty="0" err="1"/>
-              <a:t>Deployment</a:t>
-            </a:r>
-            <a:r>
-              <a:rPr lang="sk-SK" b="1" dirty="0"/>
-              <a:t> </a:t>
-            </a:r>
-            <a:r>
-              <a:rPr lang="sk-SK" b="1" dirty="0" err="1"/>
-              <a:t>logging</a:t>
-            </a:r>
-            <a:r>
-              <a:rPr lang="sk-SK" dirty="0"/>
-              <a:t> – automatické logovanie nasadzovania aplikácie</a:t>
-            </a:r>
-            <a:endParaRPr lang="sk-SK" b="1" dirty="0"/>
+            <a:r>
+              <a:rPr lang="sk-SK" dirty="0" err="1"/>
+              <a:t>Bezvýpadkové</a:t>
+            </a:r>
+            <a:r>
+              <a:rPr lang="sk-SK" dirty="0"/>
+              <a:t> nasadzovanie</a:t>
+            </a:r>
+          </a:p>
+          <a:p>
+            <a:r>
+              <a:rPr lang="sk-SK" dirty="0"/>
+              <a:t>Vyskúšanie novej verzie pred zverejnením</a:t>
+            </a:r>
+          </a:p>
+          <a:p>
+            <a:r>
+              <a:rPr lang="sk-SK" dirty="0" err="1"/>
+              <a:t>Rollback</a:t>
+            </a:r>
+            <a:r>
+              <a:rPr lang="sk-SK" dirty="0"/>
+              <a:t> v prípade problémov</a:t>
+            </a:r>
           </a:p>
         </p:txBody>
       </p:sp>
     </p:spTree>
     <p:extLst>
       <p:ext uri="{BB962C8B-B14F-4D97-AF65-F5344CB8AC3E}">
-        <p14:creationId xmlns:p14="http://schemas.microsoft.com/office/powerpoint/2010/main" val="489766622"/>
+        <p14:creationId xmlns:p14="http://schemas.microsoft.com/office/powerpoint/2010/main" val="2796156243"/>
       </p:ext>
     </p:extLst>
   </p:cSld>
@@ -12520,7 +12626,7 @@
           <p:cNvPr id="2" name="Nadpis 1">
             <a:extLst>
               <a:ext uri="{FF2B5EF4-FFF2-40B4-BE49-F238E27FC236}">
-                <a16:creationId xmlns:a16="http://schemas.microsoft.com/office/drawing/2014/main" id="{CB404731-61A9-4B01-90AF-FF3DB2F65ED5}"/>
+                <a16:creationId xmlns:a16="http://schemas.microsoft.com/office/drawing/2014/main" id="{0703B667-F8AC-4BBC-84F2-FACB31A16CD5}"/>
               </a:ext>
             </a:extLst>
           </p:cNvPr>
@@ -12539,7 +12645,7 @@
             <a:pPr algn="l"/>
             <a:r>
               <a:rPr lang="sk-SK" dirty="0"/>
-              <a:t>Logovanie - Windows</a:t>
+              <a:t>Slot swap</a:t>
             </a:r>
           </a:p>
         </p:txBody>
@@ -12549,7 +12655,7 @@
           <p:cNvPr id="3" name="Zástupný objekt pre obsah 2">
             <a:extLst>
               <a:ext uri="{FF2B5EF4-FFF2-40B4-BE49-F238E27FC236}">
-                <a16:creationId xmlns:a16="http://schemas.microsoft.com/office/drawing/2014/main" id="{FD58D547-7469-40F8-A101-3BCD3BD31685}"/>
+                <a16:creationId xmlns:a16="http://schemas.microsoft.com/office/drawing/2014/main" id="{A0C3CF59-75C5-496F-BE3A-6E5DB77CC073}"/>
               </a:ext>
             </a:extLst>
           </p:cNvPr>
@@ -12563,220 +12669,63 @@
         <p:spPr/>
         <p:txBody>
           <a:bodyPr>
-            <a:normAutofit fontScale="77500" lnSpcReduction="20000"/>
+            <a:normAutofit fontScale="92500" lnSpcReduction="10000"/>
           </a:bodyPr>
           <a:lstStyle/>
           <a:p>
-            <a:r>
-              <a:rPr lang="sk-SK" dirty="0" err="1"/>
-              <a:t>Blob</a:t>
-            </a:r>
-            <a:r>
-              <a:rPr lang="sk-SK" dirty="0"/>
-              <a:t>:</a:t>
-            </a:r>
-          </a:p>
-          <a:p>
-            <a:pPr lvl="1"/>
-            <a:r>
-              <a:rPr lang="sk-SK" dirty="0"/>
-              <a:t>Logy sa ukladajú hierarchicky podľa roku, mesiaca, dňa a hodiny</a:t>
-            </a:r>
-          </a:p>
-          <a:p>
-            <a:r>
-              <a:rPr lang="sk-SK" dirty="0" err="1"/>
-              <a:t>Filesystem</a:t>
-            </a:r>
-            <a:r>
-              <a:rPr lang="sk-SK" dirty="0"/>
-              <a:t>:</a:t>
-            </a:r>
-          </a:p>
-          <a:p>
-            <a:pPr lvl="1"/>
-            <a:r>
-              <a:rPr lang="sk-SK" dirty="0"/>
-              <a:t>D</a:t>
-            </a:r>
-            <a:r>
-              <a:rPr lang="en-US" dirty="0"/>
-              <a:t>:\home\</a:t>
-            </a:r>
-            <a:r>
-              <a:rPr lang="en-US" dirty="0" err="1"/>
-              <a:t>LogFiles</a:t>
-            </a:r>
-            <a:endParaRPr lang="sk-SK" dirty="0"/>
-          </a:p>
-          <a:p>
-            <a:pPr lvl="1"/>
-            <a:r>
-              <a:rPr lang="sk-SK" dirty="0" err="1"/>
-              <a:t>Podpriečinky</a:t>
-            </a:r>
-            <a:r>
-              <a:rPr lang="sk-SK" dirty="0"/>
-              <a:t>:</a:t>
-            </a:r>
-          </a:p>
-          <a:p>
-            <a:pPr lvl="2"/>
-            <a:r>
-              <a:rPr lang="sk-SK" dirty="0" err="1"/>
-              <a:t>Application</a:t>
-            </a:r>
-            <a:r>
-              <a:rPr lang="sk-SK" dirty="0"/>
-              <a:t> (</a:t>
-            </a:r>
-            <a:r>
-              <a:rPr lang="sk-SK" dirty="0" err="1"/>
-              <a:t>Application</a:t>
-            </a:r>
-            <a:r>
-              <a:rPr lang="sk-SK" dirty="0"/>
+            <a:pPr algn="just"/>
+            <a:r>
+              <a:rPr lang="sk-SK" dirty="0"/>
+              <a:t>Nová verzia aplikácie sa môže nasadiť do dočasného/testovacieho slotu a následne sa pomocou slot swapu presunúť do produkčného slotu</a:t>
+            </a:r>
+          </a:p>
+          <a:p>
+            <a:pPr algn="just"/>
+            <a:r>
+              <a:rPr lang="sk-SK" dirty="0"/>
+              <a:t>Pri swape sa vymení obsah slotov. To umožňuje v prípade problémov urobiť swap znova a vrátiť pôvodnú produkčnú verziu.</a:t>
+            </a:r>
+          </a:p>
+          <a:p>
+            <a:pPr algn="just"/>
+            <a:r>
+              <a:rPr lang="sk-SK" dirty="0"/>
+              <a:t>Pri swape sa dotazy presmerujú bez toho, aby si to používatelia všimli a žiadne </a:t>
+            </a:r>
+            <a:r>
+              <a:rPr lang="sk-SK" dirty="0" err="1"/>
+              <a:t>requesty</a:t>
+            </a:r>
+            <a:r>
+              <a:rPr lang="sk-SK" dirty="0"/>
+              <a:t> nespadnú</a:t>
+            </a:r>
+          </a:p>
+          <a:p>
+            <a:pPr algn="just"/>
+            <a:r>
+              <a:rPr lang="sk-SK" b="1" dirty="0"/>
+              <a:t>Swap </a:t>
+            </a:r>
+            <a:r>
+              <a:rPr lang="sk-SK" b="1" dirty="0" err="1"/>
+              <a:t>with</a:t>
+            </a:r>
+            <a:r>
+              <a:rPr lang="sk-SK" b="1" dirty="0"/>
               <a:t> </a:t>
             </a:r>
             <a:r>
-              <a:rPr lang="sk-SK" dirty="0" err="1"/>
-              <a:t>logging</a:t>
-            </a:r>
-            <a:r>
-              <a:rPr lang="sk-SK" dirty="0"/>
-              <a:t>)</a:t>
-            </a:r>
-          </a:p>
-          <a:p>
-            <a:pPr lvl="2"/>
-            <a:r>
-              <a:rPr lang="sk-SK" dirty="0"/>
-              <a:t>http (Web server </a:t>
-            </a:r>
-            <a:r>
-              <a:rPr lang="sk-SK" dirty="0" err="1"/>
-              <a:t>logging</a:t>
-            </a:r>
-            <a:r>
-              <a:rPr lang="sk-SK" dirty="0"/>
-              <a:t>)</a:t>
-            </a:r>
-          </a:p>
-          <a:p>
-            <a:pPr lvl="2"/>
-            <a:r>
-              <a:rPr lang="sk-SK" dirty="0" err="1"/>
-              <a:t>DetailedErrors</a:t>
-            </a:r>
-            <a:r>
-              <a:rPr lang="sk-SK" dirty="0"/>
-              <a:t> (</a:t>
-            </a:r>
-            <a:r>
-              <a:rPr lang="sk-SK" dirty="0" err="1"/>
-              <a:t>Detailed</a:t>
-            </a:r>
-            <a:r>
-              <a:rPr lang="sk-SK" dirty="0"/>
-              <a:t> </a:t>
-            </a:r>
-            <a:r>
-              <a:rPr lang="sk-SK" dirty="0" err="1"/>
-              <a:t>error</a:t>
-            </a:r>
-            <a:r>
-              <a:rPr lang="sk-SK" dirty="0"/>
-              <a:t> </a:t>
-            </a:r>
-            <a:r>
-              <a:rPr lang="sk-SK" dirty="0" err="1"/>
-              <a:t>messages</a:t>
-            </a:r>
-            <a:r>
-              <a:rPr lang="sk-SK" dirty="0"/>
-              <a:t>)</a:t>
-            </a:r>
-          </a:p>
-          <a:p>
-            <a:pPr lvl="2"/>
-            <a:r>
-              <a:rPr lang="sk-SK" dirty="0"/>
-              <a:t>W3SVC</a:t>
-            </a:r>
-            <a:r>
-              <a:rPr lang="en-US" dirty="0"/>
-              <a:t>&lt;</a:t>
-            </a:r>
-            <a:r>
-              <a:rPr lang="sk-SK" dirty="0"/>
-              <a:t>číslo</a:t>
-            </a:r>
-            <a:r>
-              <a:rPr lang="en-US" dirty="0"/>
-              <a:t>&gt; </a:t>
-            </a:r>
-            <a:r>
-              <a:rPr lang="sk-SK" dirty="0"/>
-              <a:t>(</a:t>
-            </a:r>
-            <a:r>
-              <a:rPr lang="sk-SK" dirty="0" err="1"/>
-              <a:t>Failed</a:t>
-            </a:r>
-            <a:r>
-              <a:rPr lang="sk-SK" dirty="0"/>
-              <a:t> </a:t>
-            </a:r>
-            <a:r>
-              <a:rPr lang="sk-SK" dirty="0" err="1"/>
-              <a:t>request</a:t>
-            </a:r>
-            <a:r>
-              <a:rPr lang="sk-SK" dirty="0"/>
-              <a:t> </a:t>
-            </a:r>
-            <a:r>
-              <a:rPr lang="sk-SK" dirty="0" err="1"/>
-              <a:t>tracing</a:t>
-            </a:r>
-            <a:r>
-              <a:rPr lang="sk-SK" dirty="0"/>
-              <a:t>)</a:t>
-            </a:r>
-          </a:p>
-          <a:p>
-            <a:pPr lvl="2"/>
-            <a:r>
-              <a:rPr lang="en-US" dirty="0"/>
-              <a:t>k</a:t>
-            </a:r>
-            <a:r>
-              <a:rPr lang="sk-SK" dirty="0" err="1"/>
-              <a:t>udu</a:t>
-            </a:r>
-            <a:r>
-              <a:rPr lang="en-US" dirty="0"/>
-              <a:t>\deployment </a:t>
-            </a:r>
-            <a:r>
-              <a:rPr lang="sk-SK" dirty="0"/>
-              <a:t>(</a:t>
-            </a:r>
-            <a:r>
-              <a:rPr lang="sk-SK" dirty="0" err="1"/>
-              <a:t>Deployment</a:t>
-            </a:r>
-            <a:r>
-              <a:rPr lang="sk-SK" dirty="0"/>
-              <a:t> </a:t>
-            </a:r>
-            <a:r>
-              <a:rPr lang="sk-SK" dirty="0" err="1"/>
-              <a:t>logging</a:t>
-            </a:r>
-            <a:r>
-              <a:rPr lang="sk-SK" dirty="0"/>
-              <a:t>)</a:t>
+              <a:rPr lang="sk-SK" b="1" dirty="0" err="1"/>
+              <a:t>preview</a:t>
+            </a:r>
+            <a:r>
+              <a:rPr lang="sk-SK" b="1" dirty="0"/>
+              <a:t>: </a:t>
+            </a:r>
+            <a:r>
+              <a:rPr lang="sk-SK" dirty="0"/>
+              <a:t>Swap sa zastaví po skopírovaní produkčného nastavenia, čo umožňuje otestovať si novú funkčnosť s produkčnými nastaveniami</a:t>
             </a:r>
           </a:p>
         </p:txBody>
@@ -12784,7 +12733,7 @@
     </p:spTree>
     <p:extLst>
       <p:ext uri="{BB962C8B-B14F-4D97-AF65-F5344CB8AC3E}">
-        <p14:creationId xmlns:p14="http://schemas.microsoft.com/office/powerpoint/2010/main" val="2118285538"/>
+        <p14:creationId xmlns:p14="http://schemas.microsoft.com/office/powerpoint/2010/main" val="715584830"/>
       </p:ext>
     </p:extLst>
   </p:cSld>
@@ -12816,7 +12765,7 @@
           <p:cNvPr id="2" name="Nadpis 1">
             <a:extLst>
               <a:ext uri="{FF2B5EF4-FFF2-40B4-BE49-F238E27FC236}">
-                <a16:creationId xmlns:a16="http://schemas.microsoft.com/office/drawing/2014/main" id="{F039BA94-51B4-481F-900E-5F9652C3B9D4}"/>
+                <a16:creationId xmlns:a16="http://schemas.microsoft.com/office/drawing/2014/main" id="{F7732577-6BE1-458B-B7FC-2EDE7E3FFD20}"/>
               </a:ext>
             </a:extLst>
           </p:cNvPr>
@@ -12834,9 +12783,10 @@
           <a:p>
             <a:pPr algn="l"/>
             <a:r>
-              <a:rPr lang="sk-SK" dirty="0"/>
-              <a:t>Logovanie - Linux</a:t>
-            </a:r>
+              <a:rPr lang="sk-SK" dirty="0" err="1"/>
+              <a:t>Autoswap</a:t>
+            </a:r>
+            <a:endParaRPr lang="sk-SK" dirty="0"/>
           </a:p>
         </p:txBody>
       </p:sp>
@@ -12845,7 +12795,7 @@
           <p:cNvPr id="3" name="Zástupný objekt pre obsah 2">
             <a:extLst>
               <a:ext uri="{FF2B5EF4-FFF2-40B4-BE49-F238E27FC236}">
-                <a16:creationId xmlns:a16="http://schemas.microsoft.com/office/drawing/2014/main" id="{B08F7BB8-EC9C-4BAF-8976-CEAC08724C68}"/>
+                <a16:creationId xmlns:a16="http://schemas.microsoft.com/office/drawing/2014/main" id="{98C7C161-563D-48EB-BAEC-3D298BD865A5}"/>
               </a:ext>
             </a:extLst>
           </p:cNvPr>
@@ -12861,123 +12811,33 @@
           <a:bodyPr/>
           <a:lstStyle/>
           <a:p>
-            <a:r>
-              <a:rPr lang="sk-SK" dirty="0"/>
-              <a:t>Podporuje iba </a:t>
-            </a:r>
-            <a:r>
-              <a:rPr lang="sk-SK" dirty="0" err="1"/>
-              <a:t>Application</a:t>
-            </a:r>
-            <a:r>
-              <a:rPr lang="sk-SK" dirty="0"/>
-              <a:t> </a:t>
-            </a:r>
-            <a:r>
-              <a:rPr lang="sk-SK" dirty="0" err="1"/>
-              <a:t>logging</a:t>
-            </a:r>
-            <a:r>
-              <a:rPr lang="sk-SK" dirty="0"/>
-              <a:t> a </a:t>
-            </a:r>
-            <a:r>
-              <a:rPr lang="sk-SK" dirty="0" err="1"/>
-              <a:t>Deployment</a:t>
-            </a:r>
-            <a:r>
-              <a:rPr lang="sk-SK" dirty="0"/>
-              <a:t> </a:t>
-            </a:r>
-            <a:r>
-              <a:rPr lang="sk-SK" dirty="0" err="1"/>
-              <a:t>logging</a:t>
-            </a:r>
-            <a:endParaRPr lang="sk-SK" dirty="0"/>
-          </a:p>
-          <a:p>
-            <a:r>
-              <a:rPr lang="sk-SK" dirty="0" err="1"/>
-              <a:t>Application</a:t>
-            </a:r>
-            <a:r>
-              <a:rPr lang="sk-SK" dirty="0"/>
-              <a:t> </a:t>
-            </a:r>
-            <a:r>
-              <a:rPr lang="sk-SK" dirty="0" err="1"/>
-              <a:t>logging</a:t>
-            </a:r>
-            <a:r>
-              <a:rPr lang="sk-SK" dirty="0"/>
-              <a:t>:</a:t>
-            </a:r>
-          </a:p>
-          <a:p>
-            <a:pPr lvl="1"/>
-            <a:r>
-              <a:rPr lang="sk-SK" dirty="0"/>
-              <a:t>Iba </a:t>
-            </a:r>
-            <a:r>
-              <a:rPr lang="sk-SK" dirty="0" err="1"/>
-              <a:t>File</a:t>
-            </a:r>
-            <a:r>
-              <a:rPr lang="sk-SK" dirty="0"/>
-              <a:t> </a:t>
-            </a:r>
-            <a:r>
-              <a:rPr lang="sk-SK" dirty="0" err="1"/>
-              <a:t>system</a:t>
-            </a:r>
-            <a:r>
-              <a:rPr lang="sk-SK" dirty="0"/>
-              <a:t> (</a:t>
-            </a:r>
-            <a:r>
-              <a:rPr lang="sk-SK" dirty="0" err="1"/>
-              <a:t>quota</a:t>
-            </a:r>
-            <a:r>
-              <a:rPr lang="sk-SK" dirty="0"/>
-              <a:t>, </a:t>
-            </a:r>
-            <a:r>
-              <a:rPr lang="sk-SK" dirty="0" err="1"/>
-              <a:t>retention</a:t>
-            </a:r>
-            <a:r>
-              <a:rPr lang="sk-SK" dirty="0"/>
-              <a:t>)</a:t>
-            </a:r>
-          </a:p>
-          <a:p>
-            <a:pPr lvl="1"/>
-            <a:r>
-              <a:rPr lang="sk-SK" dirty="0"/>
-              <a:t>Automaticky zachytáva iba úroveň </a:t>
-            </a:r>
-            <a:r>
-              <a:rPr lang="sk-SK" dirty="0" err="1"/>
-              <a:t>Error</a:t>
-            </a:r>
-            <a:r>
-              <a:rPr lang="sk-SK" dirty="0"/>
-              <a:t> a </a:t>
-            </a:r>
-            <a:r>
-              <a:rPr lang="sk-SK" dirty="0" err="1"/>
-              <a:t>Warning</a:t>
-            </a:r>
-            <a:endParaRPr lang="sk-SK" dirty="0"/>
+            <a:pPr algn="just"/>
+            <a:r>
+              <a:rPr lang="sk-SK" dirty="0"/>
+              <a:t>Ak nie je požadovaná kontrola pri swape, je možné nastaviť automatický swap medzi slotmi</a:t>
+            </a:r>
+          </a:p>
+          <a:p>
+            <a:pPr algn="just"/>
+            <a:r>
+              <a:rPr lang="sk-SK" dirty="0"/>
+              <a:t>Po dokončení nasadzovania do slotu sa slot automaticky </a:t>
+            </a:r>
+            <a:r>
+              <a:rPr lang="sk-SK" dirty="0" err="1"/>
+              <a:t>swapne</a:t>
+            </a:r>
+            <a:r>
+              <a:rPr lang="sk-SK" dirty="0"/>
+              <a:t> do produkcie</a:t>
+            </a:r>
           </a:p>
         </p:txBody>
       </p:sp>
     </p:spTree>
     <p:extLst>
       <p:ext uri="{BB962C8B-B14F-4D97-AF65-F5344CB8AC3E}">
-        <p14:creationId xmlns:p14="http://schemas.microsoft.com/office/powerpoint/2010/main" val="3958669310"/>
+        <p14:creationId xmlns:p14="http://schemas.microsoft.com/office/powerpoint/2010/main" val="226560908"/>
       </p:ext>
     </p:extLst>
   </p:cSld>
@@ -13009,7 +12869,7 @@
           <p:cNvPr id="2" name="Nadpis 1">
             <a:extLst>
               <a:ext uri="{FF2B5EF4-FFF2-40B4-BE49-F238E27FC236}">
-                <a16:creationId xmlns:a16="http://schemas.microsoft.com/office/drawing/2014/main" id="{B063FB63-66B0-4F35-BB84-60F904560DF1}"/>
+                <a16:creationId xmlns:a16="http://schemas.microsoft.com/office/drawing/2014/main" id="{670E4544-D0C3-4E94-9ACA-36032D327D42}"/>
               </a:ext>
             </a:extLst>
           </p:cNvPr>
@@ -13025,18 +12885,20 @@
           <a:bodyPr/>
           <a:lstStyle/>
           <a:p>
-            <a:r>
-              <a:rPr lang="sk-SK" dirty="0"/>
-              <a:t>Nástroje na lepšiu správu </a:t>
-            </a:r>
-            <a:r>
-              <a:rPr lang="sk-SK" dirty="0" err="1"/>
-              <a:t>App</a:t>
-            </a:r>
-            <a:r>
-              <a:rPr lang="sk-SK" dirty="0"/>
-              <a:t> Service</a:t>
-            </a:r>
+            <a:pPr algn="l"/>
+            <a:r>
+              <a:rPr lang="sk-SK" dirty="0" err="1"/>
+              <a:t>Custom</a:t>
+            </a:r>
+            <a:r>
+              <a:rPr lang="sk-SK" dirty="0"/>
+              <a:t> </a:t>
+            </a:r>
+            <a:r>
+              <a:rPr lang="sk-SK" dirty="0" err="1"/>
+              <a:t>warm-up</a:t>
+            </a:r>
+            <a:endParaRPr lang="sk-SK" dirty="0"/>
           </a:p>
         </p:txBody>
       </p:sp>
@@ -13045,7 +12907,7 @@
           <p:cNvPr id="3" name="Zástupný objekt pre obsah 2">
             <a:extLst>
               <a:ext uri="{FF2B5EF4-FFF2-40B4-BE49-F238E27FC236}">
-                <a16:creationId xmlns:a16="http://schemas.microsoft.com/office/drawing/2014/main" id="{AC63D26A-FC66-4BBC-A161-29215792F04A}"/>
+                <a16:creationId xmlns:a16="http://schemas.microsoft.com/office/drawing/2014/main" id="{D53081AA-2DEC-4963-BC50-47867F29F608}"/>
               </a:ext>
             </a:extLst>
           </p:cNvPr>
@@ -13058,63 +12920,289 @@
         </p:nvSpPr>
         <p:spPr/>
         <p:txBody>
-          <a:bodyPr/>
+          <a:bodyPr>
+            <a:normAutofit fontScale="85000" lnSpcReduction="10000"/>
+          </a:bodyPr>
           <a:lstStyle/>
           <a:p>
             <a:r>
-              <a:rPr lang="sk-SK" dirty="0"/>
-              <a:t>Konzola – umožňuje spúšťať príkazy na VM, na ktorej beží aplikácia</a:t>
-            </a:r>
-          </a:p>
-          <a:p>
-            <a:r>
               <a:rPr lang="sk-SK" dirty="0" err="1"/>
               <a:t>App</a:t>
             </a:r>
             <a:r>
               <a:rPr lang="sk-SK" dirty="0"/>
-              <a:t> Service Editor – umožňuje prehliadanie a priame editovanie súborov</a:t>
-            </a:r>
-          </a:p>
-          <a:p>
-            <a:r>
-              <a:rPr lang="sk-SK" dirty="0" err="1"/>
-              <a:t>Kudu</a:t>
-            </a:r>
-            <a:r>
-              <a:rPr lang="sk-SK" dirty="0"/>
-              <a:t> – informácie o aplikácii, nástroje na správu</a:t>
+              <a:t> Service umožňuje nadefinovať si vlastný </a:t>
+            </a:r>
+            <a:r>
+              <a:rPr lang="sk-SK" dirty="0" err="1"/>
+              <a:t>warm-up</a:t>
+            </a:r>
+            <a:r>
+              <a:rPr lang="sk-SK" dirty="0"/>
+              <a:t>. To je možné nastaviť 3 spôsobmi:</a:t>
             </a:r>
           </a:p>
           <a:p>
             <a:pPr lvl="1"/>
             <a:r>
               <a:rPr lang="sk-SK" dirty="0"/>
-              <a:t>https://</a:t>
-            </a:r>
-            <a:r>
-              <a:rPr lang="en-US" i="1" dirty="0"/>
+              <a:t>Element </a:t>
+            </a:r>
+            <a:r>
+              <a:rPr lang="en-US" b="1" dirty="0">
+                <a:latin typeface="Consolas" panose="020B0609020204030204" pitchFamily="49" charset="0"/>
+              </a:rPr>
               <a:t>&lt;</a:t>
             </a:r>
             <a:r>
-              <a:rPr lang="en-US" i="1" dirty="0" err="1"/>
-              <a:t>app_name</a:t>
-            </a:r>
-            <a:r>
-              <a:rPr lang="en-US" i="1" dirty="0"/>
+              <a:rPr lang="en-US" b="1" dirty="0" err="1">
+                <a:latin typeface="Consolas" panose="020B0609020204030204" pitchFamily="49" charset="0"/>
+              </a:rPr>
+              <a:t>applicationInitialization</a:t>
+            </a:r>
+            <a:r>
+              <a:rPr lang="en-US" b="1" dirty="0">
+                <a:latin typeface="Consolas" panose="020B0609020204030204" pitchFamily="49" charset="0"/>
+              </a:rPr>
               <a:t>&gt;</a:t>
             </a:r>
             <a:r>
-              <a:rPr lang="sk-SK" dirty="0"/>
-              <a:t>.scm.azurewebsites.net/</a:t>
-            </a:r>
+              <a:rPr lang="en-US" dirty="0"/>
+              <a:t> </a:t>
+            </a:r>
+            <a:r>
+              <a:rPr lang="en-US" dirty="0" err="1"/>
+              <a:t>vo</a:t>
+            </a:r>
+            <a:r>
+              <a:rPr lang="en-US" dirty="0"/>
+              <a:t> </a:t>
+            </a:r>
+            <a:r>
+              <a:rPr lang="sk-SK" dirty="0" err="1"/>
+              <a:t>Web.config</a:t>
+            </a:r>
+            <a:r>
+              <a:rPr lang="en-US" dirty="0"/>
+              <a:t> (</a:t>
+            </a:r>
+            <a:r>
+              <a:rPr lang="en-US" dirty="0" err="1"/>
+              <a:t>spust</a:t>
+            </a:r>
+            <a:r>
+              <a:rPr lang="sk-SK" dirty="0"/>
+              <a:t>í sa pri každom štarte)</a:t>
+            </a:r>
+          </a:p>
+          <a:p>
+            <a:pPr marL="457200" lvl="1" indent="0">
+              <a:buNone/>
+            </a:pPr>
+            <a:endParaRPr lang="sk-SK" dirty="0"/>
+          </a:p>
+          <a:p>
+            <a:pPr marL="457200" lvl="1" indent="0">
+              <a:buNone/>
+            </a:pPr>
+            <a:endParaRPr lang="sk-SK" dirty="0"/>
+          </a:p>
+          <a:p>
+            <a:pPr lvl="1"/>
+            <a:r>
+              <a:rPr lang="sk-SK" dirty="0"/>
+              <a:t>Nastavenie </a:t>
+            </a:r>
+            <a:r>
+              <a:rPr lang="sk-SK" b="1" dirty="0">
+                <a:latin typeface="Consolas" panose="020B0609020204030204" pitchFamily="49" charset="0"/>
+              </a:rPr>
+              <a:t>WEBSITE_WARMUP_PATH </a:t>
+            </a:r>
+            <a:r>
+              <a:rPr lang="sk-SK" dirty="0"/>
+              <a:t>(spustí sa pri každom štarte)</a:t>
+            </a:r>
+            <a:r>
+              <a:rPr lang="en-US" dirty="0"/>
+              <a:t> – </a:t>
+            </a:r>
+            <a:r>
+              <a:rPr lang="sk-SK" dirty="0"/>
+              <a:t>Relatívna cesta k stránke, ktorá sa má </a:t>
+            </a:r>
+            <a:r>
+              <a:rPr lang="sk-SK" dirty="0" err="1"/>
+              <a:t>pingnúť</a:t>
+            </a:r>
+            <a:endParaRPr lang="sk-SK" dirty="0"/>
+          </a:p>
+          <a:p>
+            <a:pPr lvl="1"/>
+            <a:r>
+              <a:rPr lang="sk-SK" dirty="0"/>
+              <a:t>Nastavenia </a:t>
+            </a:r>
+            <a:r>
+              <a:rPr lang="sk-SK" b="1" dirty="0">
+                <a:latin typeface="Consolas" panose="020B0609020204030204" pitchFamily="49" charset="0"/>
+              </a:rPr>
+              <a:t>WEBSITE_SWAP_WARMUP_PING_PATH</a:t>
+            </a:r>
+            <a:r>
+              <a:rPr lang="sk-SK" b="1" dirty="0"/>
+              <a:t> </a:t>
+            </a:r>
+            <a:r>
+              <a:rPr lang="sk-SK" dirty="0"/>
+              <a:t>a </a:t>
+            </a:r>
+            <a:r>
+              <a:rPr lang="sk-SK" b="1" dirty="0">
+                <a:latin typeface="Consolas" panose="020B0609020204030204" pitchFamily="49" charset="0"/>
+              </a:rPr>
+              <a:t>WEBSITE_SWAP_WARMUP_PING_STATUSES</a:t>
+            </a:r>
+            <a:r>
+              <a:rPr lang="sk-SK" b="1" dirty="0"/>
+              <a:t> </a:t>
+            </a:r>
+            <a:r>
+              <a:rPr lang="sk-SK" dirty="0"/>
+              <a:t>(spustí sa len pri swape)</a:t>
+            </a:r>
+            <a:r>
+              <a:rPr lang="en-US" dirty="0"/>
+              <a:t> – </a:t>
+            </a:r>
+            <a:r>
+              <a:rPr lang="sk-SK" dirty="0"/>
+              <a:t>Relatívna cesta k stránke a ktoré HTTP stavy sa požadujú za úspešné</a:t>
+            </a:r>
+          </a:p>
+        </p:txBody>
+      </p:sp>
+      <p:sp>
+        <p:nvSpPr>
+          <p:cNvPr id="4" name="BlokTextu 3">
+            <a:extLst>
+              <a:ext uri="{FF2B5EF4-FFF2-40B4-BE49-F238E27FC236}">
+                <a16:creationId xmlns:a16="http://schemas.microsoft.com/office/drawing/2014/main" id="{151655F1-E608-44DC-8FDA-24572A3AF7DD}"/>
+              </a:ext>
+            </a:extLst>
+          </p:cNvPr>
+          <p:cNvSpPr txBox="1"/>
+          <p:nvPr/>
+        </p:nvSpPr>
+        <p:spPr>
+          <a:xfrm>
+            <a:off x="2345093" y="3606285"/>
+            <a:ext cx="7464489" cy="738664"/>
+          </a:xfrm>
+          <a:prstGeom prst="rect">
+            <a:avLst/>
+          </a:prstGeom>
+          <a:solidFill>
+            <a:schemeClr val="bg1"/>
+          </a:solidFill>
+          <a:ln>
+            <a:solidFill>
+              <a:schemeClr val="tx1"/>
+            </a:solidFill>
+          </a:ln>
+        </p:spPr>
+        <p:txBody>
+          <a:bodyPr wrap="square" rtlCol="0">
+            <a:spAutoFit/>
+          </a:bodyPr>
+          <a:lstStyle/>
+          <a:p>
+            <a:r>
+              <a:rPr lang="en-GB" sz="1400" dirty="0">
+                <a:latin typeface="Consolas" panose="020B0609020204030204" pitchFamily="49" charset="0"/>
+              </a:rPr>
+              <a:t>&lt;</a:t>
+            </a:r>
+            <a:r>
+              <a:rPr lang="en-GB" sz="1400" dirty="0" err="1">
+                <a:latin typeface="Consolas" panose="020B0609020204030204" pitchFamily="49" charset="0"/>
+              </a:rPr>
+              <a:t>applicationInitialization</a:t>
+            </a:r>
+            <a:r>
+              <a:rPr lang="en-GB" sz="1400" dirty="0">
+                <a:latin typeface="Consolas" panose="020B0609020204030204" pitchFamily="49" charset="0"/>
+              </a:rPr>
+              <a:t>&gt;</a:t>
+            </a:r>
+            <a:endParaRPr lang="sk-SK" sz="1400" dirty="0">
+              <a:latin typeface="Consolas" panose="020B0609020204030204" pitchFamily="49" charset="0"/>
+            </a:endParaRPr>
+          </a:p>
+          <a:p>
+            <a:r>
+              <a:rPr lang="en-GB" sz="1400" dirty="0">
+                <a:latin typeface="Consolas" panose="020B0609020204030204" pitchFamily="49" charset="0"/>
+              </a:rPr>
+              <a:t>    &lt;add </a:t>
+            </a:r>
+            <a:r>
+              <a:rPr lang="en-GB" sz="1400" dirty="0" err="1">
+                <a:latin typeface="Consolas" panose="020B0609020204030204" pitchFamily="49" charset="0"/>
+              </a:rPr>
+              <a:t>initializationPage</a:t>
+            </a:r>
+            <a:r>
+              <a:rPr lang="en-GB" sz="1400" dirty="0">
+                <a:latin typeface="Consolas" panose="020B0609020204030204" pitchFamily="49" charset="0"/>
+              </a:rPr>
+              <a:t>="/" </a:t>
+            </a:r>
+            <a:r>
+              <a:rPr lang="en-GB" sz="1400" dirty="0" err="1">
+                <a:latin typeface="Consolas" panose="020B0609020204030204" pitchFamily="49" charset="0"/>
+              </a:rPr>
+              <a:t>hostName</a:t>
+            </a:r>
+            <a:r>
+              <a:rPr lang="en-GB" sz="1400" dirty="0">
+                <a:latin typeface="Consolas" panose="020B0609020204030204" pitchFamily="49" charset="0"/>
+              </a:rPr>
+              <a:t>="[app hostname]" /&gt;</a:t>
+            </a:r>
+            <a:endParaRPr lang="sk-SK" sz="1400" dirty="0">
+              <a:latin typeface="Consolas" panose="020B0609020204030204" pitchFamily="49" charset="0"/>
+            </a:endParaRPr>
+          </a:p>
+          <a:p>
+            <a:r>
+              <a:rPr lang="en-GB" sz="1400" dirty="0">
+                <a:latin typeface="Consolas" panose="020B0609020204030204" pitchFamily="49" charset="0"/>
+              </a:rPr>
+              <a:t>&lt;/</a:t>
+            </a:r>
+            <a:r>
+              <a:rPr lang="en-GB" sz="1400" dirty="0" err="1">
+                <a:latin typeface="Consolas" panose="020B0609020204030204" pitchFamily="49" charset="0"/>
+              </a:rPr>
+              <a:t>applicationInitialization</a:t>
+            </a:r>
+            <a:r>
+              <a:rPr lang="en-GB" sz="1400" dirty="0">
+                <a:latin typeface="Consolas" panose="020B0609020204030204" pitchFamily="49" charset="0"/>
+              </a:rPr>
+              <a:t>&gt;</a:t>
+            </a:r>
+            <a:endParaRPr lang="sk-SK" sz="1400" dirty="0">
+              <a:latin typeface="Consolas" panose="020B0609020204030204" pitchFamily="49" charset="0"/>
+            </a:endParaRPr>
           </a:p>
         </p:txBody>
       </p:sp>
     </p:spTree>
     <p:extLst>
       <p:ext uri="{BB962C8B-B14F-4D97-AF65-F5344CB8AC3E}">
-        <p14:creationId xmlns:p14="http://schemas.microsoft.com/office/powerpoint/2010/main" val="3189682622"/>
+        <p14:creationId xmlns:p14="http://schemas.microsoft.com/office/powerpoint/2010/main" val="733103103"/>
       </p:ext>
     </p:extLst>
   </p:cSld>
@@ -13360,8 +13448,12 @@
           <a:p>
             <a:pPr algn="just"/>
             <a:r>
-              <a:rPr lang="sk-SK" dirty="0"/>
-              <a:t>plány pre rôzne OS v rámci jednej </a:t>
+              <a:rPr lang="en-US" dirty="0"/>
+              <a:t>P</a:t>
+            </a:r>
+            <a:r>
+              <a:rPr lang="sk-SK" dirty="0"/>
+              <a:t>lány pre rôzne OS v rámci jednej </a:t>
             </a:r>
             <a:r>
               <a:rPr lang="sk-SK" dirty="0" err="1"/>
@@ -14701,6 +14793,7 @@
           <a:bodyPr/>
           <a:lstStyle/>
           <a:p>
+            <a:pPr algn="just"/>
             <a:r>
               <a:rPr lang="sk-SK" dirty="0"/>
               <a:t>Materiály z </a:t>
@@ -14715,7 +14808,7 @@
             </a:r>
           </a:p>
           <a:p>
-            <a:pPr lvl="1"/>
+            <a:pPr lvl="1" algn="just"/>
             <a:r>
               <a:rPr lang="sk-SK" dirty="0">
                 <a:hlinkClick r:id="rId2"/>
@@ -14725,13 +14818,14 @@
             <a:endParaRPr lang="sk-SK" dirty="0"/>
           </a:p>
           <a:p>
+            <a:pPr algn="just"/>
             <a:r>
               <a:rPr lang="sk-SK" dirty="0"/>
               <a:t>Doplnkové zdroje:</a:t>
             </a:r>
           </a:p>
           <a:p>
-            <a:pPr lvl="1"/>
+            <a:pPr lvl="1" algn="just"/>
             <a:r>
               <a:rPr lang="sk-SK" dirty="0">
                 <a:hlinkClick r:id="rId3"/>
@@ -14741,7 +14835,7 @@
             <a:endParaRPr lang="sk-SK" dirty="0"/>
           </a:p>
           <a:p>
-            <a:pPr lvl="1"/>
+            <a:pPr lvl="1" algn="just"/>
             <a:r>
               <a:rPr lang="sk-SK" dirty="0">
                 <a:hlinkClick r:id="rId4"/>
@@ -15583,7 +15677,11 @@
             </a:r>
             <a:r>
               <a:rPr lang="sk-SK" dirty="0" err="1"/>
-              <a:t>vždu</a:t>
+              <a:t>vžd</a:t>
+            </a:r>
+            <a:r>
+              <a:rPr lang="en-US" dirty="0"/>
+              <a:t>y	</a:t>
             </a:r>
             <a:r>
               <a:rPr lang="sk-SK" dirty="0"/>
